--- a/Präsentationen/folien_timo.pptx
+++ b/Präsentationen/folien_timo.pptx
@@ -5,20 +5,31 @@
     <p:sldMasterId id="2147483648" r:id="rId1"/>
   </p:sldMasterIdLst>
   <p:notesMasterIdLst>
-    <p:notesMasterId r:id="rId13"/>
+    <p:notesMasterId r:id="rId24"/>
   </p:notesMasterIdLst>
   <p:sldIdLst>
     <p:sldId id="256" r:id="rId2"/>
     <p:sldId id="257" r:id="rId3"/>
     <p:sldId id="258" r:id="rId4"/>
-    <p:sldId id="259" r:id="rId5"/>
-    <p:sldId id="261" r:id="rId6"/>
-    <p:sldId id="262" r:id="rId7"/>
-    <p:sldId id="265" r:id="rId8"/>
-    <p:sldId id="266" r:id="rId9"/>
-    <p:sldId id="260" r:id="rId10"/>
-    <p:sldId id="263" r:id="rId11"/>
-    <p:sldId id="267" r:id="rId12"/>
+    <p:sldId id="268" r:id="rId5"/>
+    <p:sldId id="259" r:id="rId6"/>
+    <p:sldId id="261" r:id="rId7"/>
+    <p:sldId id="269" r:id="rId8"/>
+    <p:sldId id="262" r:id="rId9"/>
+    <p:sldId id="265" r:id="rId10"/>
+    <p:sldId id="266" r:id="rId11"/>
+    <p:sldId id="278" r:id="rId12"/>
+    <p:sldId id="263" r:id="rId13"/>
+    <p:sldId id="279" r:id="rId14"/>
+    <p:sldId id="271" r:id="rId15"/>
+    <p:sldId id="272" r:id="rId16"/>
+    <p:sldId id="273" r:id="rId17"/>
+    <p:sldId id="274" r:id="rId18"/>
+    <p:sldId id="275" r:id="rId19"/>
+    <p:sldId id="276" r:id="rId20"/>
+    <p:sldId id="277" r:id="rId21"/>
+    <p:sldId id="260" r:id="rId22"/>
+    <p:sldId id="267" r:id="rId23"/>
   </p:sldIdLst>
   <p:sldSz cx="9144000" cy="6858000" type="screen4x3"/>
   <p:notesSz cx="6858000" cy="9144000"/>
@@ -207,7 +218,7 @@
           <a:p>
             <a:fld id="{A2405D4A-591D-2B41-B8F4-FA371B41D1CF}" type="datetimeFigureOut">
               <a:rPr lang="de-DE" smtClean="0"/>
-              <a:t>11.11.18</a:t>
+              <a:t>12.11.18</a:t>
             </a:fld>
             <a:endParaRPr lang="de-DE"/>
           </a:p>
@@ -474,6 +485,1036 @@
 </p:notesMaster>
 </file>
 
+<file path=ppt/notesSlides/notesSlide1.xml><?xml version="1.0" encoding="utf-8"?>
+<p:notes xmlns:a="http://schemas.openxmlformats.org/drawingml/2006/main" xmlns:r="http://schemas.openxmlformats.org/officeDocument/2006/relationships" xmlns:p="http://schemas.openxmlformats.org/presentationml/2006/main">
+  <p:cSld>
+    <p:spTree>
+      <p:nvGrpSpPr>
+        <p:cNvPr id="1" name=""/>
+        <p:cNvGrpSpPr/>
+        <p:nvPr/>
+      </p:nvGrpSpPr>
+      <p:grpSpPr>
+        <a:xfrm>
+          <a:off x="0" y="0"/>
+          <a:ext cx="0" cy="0"/>
+          <a:chOff x="0" y="0"/>
+          <a:chExt cx="0" cy="0"/>
+        </a:xfrm>
+      </p:grpSpPr>
+      <p:sp>
+        <p:nvSpPr>
+          <p:cNvPr id="2" name="Folienbildplatzhalter 1"/>
+          <p:cNvSpPr>
+            <a:spLocks noGrp="1" noRot="1" noChangeAspect="1"/>
+          </p:cNvSpPr>
+          <p:nvPr>
+            <p:ph type="sldImg"/>
+          </p:nvPr>
+        </p:nvSpPr>
+        <p:spPr/>
+      </p:sp>
+      <p:sp>
+        <p:nvSpPr>
+          <p:cNvPr id="3" name="Notizenplatzhalter 2"/>
+          <p:cNvSpPr>
+            <a:spLocks noGrp="1"/>
+          </p:cNvSpPr>
+          <p:nvPr>
+            <p:ph type="body" idx="1"/>
+          </p:nvPr>
+        </p:nvSpPr>
+        <p:spPr/>
+        <p:txBody>
+          <a:bodyPr/>
+          <a:lstStyle/>
+          <a:p>
+            <a:pPr marL="171450" indent="-171450">
+              <a:buFontTx/>
+              <a:buChar char="-"/>
+            </a:pPr>
+            <a:r>
+              <a:rPr lang="de-DE" dirty="0"/>
+              <a:t>Leere Liste</a:t>
+            </a:r>
+          </a:p>
+          <a:p>
+            <a:pPr marL="171450" indent="-171450">
+              <a:buFontTx/>
+              <a:buChar char="-"/>
+            </a:pPr>
+            <a:r>
+              <a:rPr lang="de-DE" dirty="0"/>
+              <a:t>Alle </a:t>
+            </a:r>
+            <a:r>
+              <a:rPr lang="de-DE" dirty="0" err="1"/>
+              <a:t>Chars</a:t>
+            </a:r>
+            <a:r>
+              <a:rPr lang="de-DE" dirty="0"/>
+              <a:t> des Strings durchgehen</a:t>
+            </a:r>
+          </a:p>
+          <a:p>
+            <a:pPr marL="171450" indent="-171450">
+              <a:buFontTx/>
+              <a:buChar char="-"/>
+            </a:pPr>
+            <a:r>
+              <a:rPr lang="de-DE" dirty="0"/>
+              <a:t>Jeden </a:t>
+            </a:r>
+            <a:r>
+              <a:rPr lang="de-DE" dirty="0" err="1"/>
+              <a:t>Char</a:t>
+            </a:r>
+            <a:r>
+              <a:rPr lang="de-DE" dirty="0"/>
+              <a:t> in </a:t>
+            </a:r>
+            <a:r>
+              <a:rPr lang="de-DE" dirty="0" err="1"/>
+              <a:t>Ascii</a:t>
+            </a:r>
+            <a:r>
+              <a:rPr lang="de-DE" dirty="0"/>
+              <a:t> konvertieren und in Liste einfügen</a:t>
+            </a:r>
+          </a:p>
+          <a:p>
+            <a:pPr marL="171450" indent="-171450">
+              <a:buFontTx/>
+              <a:buChar char="-"/>
+            </a:pPr>
+            <a:r>
+              <a:rPr lang="de-DE" dirty="0"/>
+              <a:t>Ans Listen Ende (</a:t>
+            </a:r>
+            <a:r>
+              <a:rPr lang="de-DE" dirty="0" err="1"/>
+              <a:t>Ascii</a:t>
+            </a:r>
+            <a:r>
+              <a:rPr lang="de-DE" dirty="0"/>
+              <a:t>) 3 einfügen -&gt; End </a:t>
+            </a:r>
+            <a:r>
+              <a:rPr lang="de-DE" dirty="0" err="1"/>
+              <a:t>of</a:t>
+            </a:r>
+            <a:r>
+              <a:rPr lang="de-DE" dirty="0"/>
+              <a:t> Text</a:t>
+            </a:r>
+          </a:p>
+        </p:txBody>
+      </p:sp>
+      <p:sp>
+        <p:nvSpPr>
+          <p:cNvPr id="4" name="Foliennummernplatzhalter 3"/>
+          <p:cNvSpPr>
+            <a:spLocks noGrp="1"/>
+          </p:cNvSpPr>
+          <p:nvPr>
+            <p:ph type="sldNum" sz="quarter" idx="5"/>
+          </p:nvPr>
+        </p:nvSpPr>
+        <p:spPr/>
+        <p:txBody>
+          <a:bodyPr/>
+          <a:lstStyle/>
+          <a:p>
+            <a:fld id="{4657A71A-5AE3-EA43-B407-0093EC871AAE}" type="slidenum">
+              <a:rPr lang="de-DE" smtClean="0"/>
+              <a:t>5</a:t>
+            </a:fld>
+            <a:endParaRPr lang="de-DE"/>
+          </a:p>
+        </p:txBody>
+      </p:sp>
+    </p:spTree>
+    <p:extLst>
+      <p:ext uri="{BB962C8B-B14F-4D97-AF65-F5344CB8AC3E}">
+        <p14:creationId xmlns:p14="http://schemas.microsoft.com/office/powerpoint/2010/main" val="213866451"/>
+      </p:ext>
+    </p:extLst>
+  </p:cSld>
+  <p:clrMapOvr>
+    <a:masterClrMapping/>
+  </p:clrMapOvr>
+</p:notes>
+</file>
+
+<file path=ppt/notesSlides/notesSlide2.xml><?xml version="1.0" encoding="utf-8"?>
+<p:notes xmlns:a="http://schemas.openxmlformats.org/drawingml/2006/main" xmlns:r="http://schemas.openxmlformats.org/officeDocument/2006/relationships" xmlns:p="http://schemas.openxmlformats.org/presentationml/2006/main">
+  <p:cSld>
+    <p:spTree>
+      <p:nvGrpSpPr>
+        <p:cNvPr id="1" name=""/>
+        <p:cNvGrpSpPr/>
+        <p:nvPr/>
+      </p:nvGrpSpPr>
+      <p:grpSpPr>
+        <a:xfrm>
+          <a:off x="0" y="0"/>
+          <a:ext cx="0" cy="0"/>
+          <a:chOff x="0" y="0"/>
+          <a:chExt cx="0" cy="0"/>
+        </a:xfrm>
+      </p:grpSpPr>
+      <p:sp>
+        <p:nvSpPr>
+          <p:cNvPr id="2" name="Folienbildplatzhalter 1"/>
+          <p:cNvSpPr>
+            <a:spLocks noGrp="1" noRot="1" noChangeAspect="1"/>
+          </p:cNvSpPr>
+          <p:nvPr>
+            <p:ph type="sldImg"/>
+          </p:nvPr>
+        </p:nvSpPr>
+        <p:spPr/>
+      </p:sp>
+      <p:sp>
+        <p:nvSpPr>
+          <p:cNvPr id="3" name="Notizenplatzhalter 2"/>
+          <p:cNvSpPr>
+            <a:spLocks noGrp="1"/>
+          </p:cNvSpPr>
+          <p:nvPr>
+            <p:ph type="body" idx="1"/>
+          </p:nvPr>
+        </p:nvSpPr>
+        <p:spPr/>
+        <p:txBody>
+          <a:bodyPr/>
+          <a:lstStyle/>
+          <a:p>
+            <a:pPr marL="171450" indent="-171450">
+              <a:buFontTx/>
+              <a:buChar char="-"/>
+            </a:pPr>
+            <a:r>
+              <a:rPr lang="de-DE" dirty="0"/>
+              <a:t>Text in </a:t>
+            </a:r>
+            <a:r>
+              <a:rPr lang="de-DE" dirty="0" err="1"/>
+              <a:t>Ascii</a:t>
+            </a:r>
+            <a:r>
+              <a:rPr lang="de-DE" dirty="0"/>
+              <a:t> Liste konvertieren</a:t>
+            </a:r>
+          </a:p>
+          <a:p>
+            <a:pPr marL="171450" indent="-171450">
+              <a:buFontTx/>
+              <a:buChar char="-"/>
+            </a:pPr>
+            <a:r>
+              <a:rPr lang="de-DE" dirty="0"/>
+              <a:t>Neue leere Liste</a:t>
+            </a:r>
+          </a:p>
+          <a:p>
+            <a:pPr marL="171450" indent="-171450">
+              <a:buFontTx/>
+              <a:buChar char="-"/>
+            </a:pPr>
+            <a:r>
+              <a:rPr lang="de-DE" dirty="0"/>
+              <a:t>Jedes Listenelement von </a:t>
+            </a:r>
+            <a:r>
+              <a:rPr lang="de-DE" dirty="0" err="1"/>
+              <a:t>Acii</a:t>
+            </a:r>
+            <a:r>
+              <a:rPr lang="de-DE" dirty="0"/>
+              <a:t> in Binär konvertieren</a:t>
+            </a:r>
+          </a:p>
+        </p:txBody>
+      </p:sp>
+      <p:sp>
+        <p:nvSpPr>
+          <p:cNvPr id="4" name="Foliennummernplatzhalter 3"/>
+          <p:cNvSpPr>
+            <a:spLocks noGrp="1"/>
+          </p:cNvSpPr>
+          <p:nvPr>
+            <p:ph type="sldNum" sz="quarter" idx="5"/>
+          </p:nvPr>
+        </p:nvSpPr>
+        <p:spPr/>
+        <p:txBody>
+          <a:bodyPr/>
+          <a:lstStyle/>
+          <a:p>
+            <a:fld id="{4657A71A-5AE3-EA43-B407-0093EC871AAE}" type="slidenum">
+              <a:rPr lang="de-DE" smtClean="0"/>
+              <a:t>6</a:t>
+            </a:fld>
+            <a:endParaRPr lang="de-DE"/>
+          </a:p>
+        </p:txBody>
+      </p:sp>
+    </p:spTree>
+    <p:extLst>
+      <p:ext uri="{BB962C8B-B14F-4D97-AF65-F5344CB8AC3E}">
+        <p14:creationId xmlns:p14="http://schemas.microsoft.com/office/powerpoint/2010/main" val="3011263293"/>
+      </p:ext>
+    </p:extLst>
+  </p:cSld>
+  <p:clrMapOvr>
+    <a:masterClrMapping/>
+  </p:clrMapOvr>
+</p:notes>
+</file>
+
+<file path=ppt/notesSlides/notesSlide3.xml><?xml version="1.0" encoding="utf-8"?>
+<p:notes xmlns:a="http://schemas.openxmlformats.org/drawingml/2006/main" xmlns:r="http://schemas.openxmlformats.org/officeDocument/2006/relationships" xmlns:p="http://schemas.openxmlformats.org/presentationml/2006/main">
+  <p:cSld>
+    <p:spTree>
+      <p:nvGrpSpPr>
+        <p:cNvPr id="1" name=""/>
+        <p:cNvGrpSpPr/>
+        <p:nvPr/>
+      </p:nvGrpSpPr>
+      <p:grpSpPr>
+        <a:xfrm>
+          <a:off x="0" y="0"/>
+          <a:ext cx="0" cy="0"/>
+          <a:chOff x="0" y="0"/>
+          <a:chExt cx="0" cy="0"/>
+        </a:xfrm>
+      </p:grpSpPr>
+      <p:sp>
+        <p:nvSpPr>
+          <p:cNvPr id="2" name="Folienbildplatzhalter 1"/>
+          <p:cNvSpPr>
+            <a:spLocks noGrp="1" noRot="1" noChangeAspect="1"/>
+          </p:cNvSpPr>
+          <p:nvPr>
+            <p:ph type="sldImg"/>
+          </p:nvPr>
+        </p:nvSpPr>
+        <p:spPr/>
+      </p:sp>
+      <p:sp>
+        <p:nvSpPr>
+          <p:cNvPr id="3" name="Notizenplatzhalter 2"/>
+          <p:cNvSpPr>
+            <a:spLocks noGrp="1"/>
+          </p:cNvSpPr>
+          <p:nvPr>
+            <p:ph type="body" idx="1"/>
+          </p:nvPr>
+        </p:nvSpPr>
+        <p:spPr/>
+        <p:txBody>
+          <a:bodyPr/>
+          <a:lstStyle/>
+          <a:p>
+            <a:pPr marL="171450" indent="-171450">
+              <a:buFontTx/>
+              <a:buChar char="-"/>
+            </a:pPr>
+            <a:r>
+              <a:rPr lang="de-DE" dirty="0"/>
+              <a:t>Bild öffnen</a:t>
+            </a:r>
+          </a:p>
+          <a:p>
+            <a:pPr marL="171450" indent="-171450">
+              <a:buFontTx/>
+              <a:buChar char="-"/>
+            </a:pPr>
+            <a:r>
+              <a:rPr lang="de-DE" dirty="0"/>
+              <a:t>Höhe und Breite auslesen</a:t>
+            </a:r>
+          </a:p>
+          <a:p>
+            <a:pPr marL="171450" indent="-171450">
+              <a:buFontTx/>
+              <a:buChar char="-"/>
+            </a:pPr>
+            <a:r>
+              <a:rPr lang="de-DE" dirty="0"/>
+              <a:t>Bild laden</a:t>
+            </a:r>
+          </a:p>
+          <a:p>
+            <a:pPr marL="171450" indent="-171450">
+              <a:buFontTx/>
+              <a:buChar char="-"/>
+            </a:pPr>
+            <a:r>
+              <a:rPr lang="de-DE" dirty="0"/>
+              <a:t>Text in Binär codieren und in String umwandeln</a:t>
+            </a:r>
+          </a:p>
+        </p:txBody>
+      </p:sp>
+      <p:sp>
+        <p:nvSpPr>
+          <p:cNvPr id="4" name="Foliennummernplatzhalter 3"/>
+          <p:cNvSpPr>
+            <a:spLocks noGrp="1"/>
+          </p:cNvSpPr>
+          <p:nvPr>
+            <p:ph type="sldNum" sz="quarter" idx="5"/>
+          </p:nvPr>
+        </p:nvSpPr>
+        <p:spPr/>
+        <p:txBody>
+          <a:bodyPr/>
+          <a:lstStyle/>
+          <a:p>
+            <a:fld id="{4657A71A-5AE3-EA43-B407-0093EC871AAE}" type="slidenum">
+              <a:rPr lang="de-DE" smtClean="0"/>
+              <a:t>7</a:t>
+            </a:fld>
+            <a:endParaRPr lang="de-DE"/>
+          </a:p>
+        </p:txBody>
+      </p:sp>
+    </p:spTree>
+    <p:extLst>
+      <p:ext uri="{BB962C8B-B14F-4D97-AF65-F5344CB8AC3E}">
+        <p14:creationId xmlns:p14="http://schemas.microsoft.com/office/powerpoint/2010/main" val="178354668"/>
+      </p:ext>
+    </p:extLst>
+  </p:cSld>
+  <p:clrMapOvr>
+    <a:masterClrMapping/>
+  </p:clrMapOvr>
+</p:notes>
+</file>
+
+<file path=ppt/notesSlides/notesSlide4.xml><?xml version="1.0" encoding="utf-8"?>
+<p:notes xmlns:a="http://schemas.openxmlformats.org/drawingml/2006/main" xmlns:r="http://schemas.openxmlformats.org/officeDocument/2006/relationships" xmlns:p="http://schemas.openxmlformats.org/presentationml/2006/main">
+  <p:cSld>
+    <p:spTree>
+      <p:nvGrpSpPr>
+        <p:cNvPr id="1" name=""/>
+        <p:cNvGrpSpPr/>
+        <p:nvPr/>
+      </p:nvGrpSpPr>
+      <p:grpSpPr>
+        <a:xfrm>
+          <a:off x="0" y="0"/>
+          <a:ext cx="0" cy="0"/>
+          <a:chOff x="0" y="0"/>
+          <a:chExt cx="0" cy="0"/>
+        </a:xfrm>
+      </p:grpSpPr>
+      <p:sp>
+        <p:nvSpPr>
+          <p:cNvPr id="2" name="Folienbildplatzhalter 1"/>
+          <p:cNvSpPr>
+            <a:spLocks noGrp="1" noRot="1" noChangeAspect="1"/>
+          </p:cNvSpPr>
+          <p:nvPr>
+            <p:ph type="sldImg"/>
+          </p:nvPr>
+        </p:nvSpPr>
+        <p:spPr/>
+      </p:sp>
+      <p:sp>
+        <p:nvSpPr>
+          <p:cNvPr id="3" name="Notizenplatzhalter 2"/>
+          <p:cNvSpPr>
+            <a:spLocks noGrp="1"/>
+          </p:cNvSpPr>
+          <p:nvPr>
+            <p:ph type="body" idx="1"/>
+          </p:nvPr>
+        </p:nvSpPr>
+        <p:spPr/>
+        <p:txBody>
+          <a:bodyPr/>
+          <a:lstStyle/>
+          <a:p>
+            <a:pPr marL="171450" indent="-171450">
+              <a:buFontTx/>
+              <a:buChar char="-"/>
+            </a:pPr>
+            <a:r>
+              <a:rPr lang="de-DE" dirty="0"/>
+              <a:t>Pixel für Pixel Bild durchgehen</a:t>
+            </a:r>
+          </a:p>
+          <a:p>
+            <a:pPr marL="171450" indent="-171450">
+              <a:buFontTx/>
+              <a:buChar char="-"/>
+            </a:pPr>
+            <a:r>
+              <a:rPr lang="de-DE" dirty="0"/>
+              <a:t>Pixel an stelle x </a:t>
+            </a:r>
+            <a:r>
+              <a:rPr lang="de-DE" dirty="0" err="1"/>
+              <a:t>y</a:t>
+            </a:r>
+            <a:r>
+              <a:rPr lang="de-DE" dirty="0"/>
+              <a:t> auslesen</a:t>
+            </a:r>
+          </a:p>
+          <a:p>
+            <a:pPr marL="171450" indent="-171450">
+              <a:buFontTx/>
+              <a:buChar char="-"/>
+            </a:pPr>
+            <a:r>
+              <a:rPr lang="de-DE" dirty="0"/>
+              <a:t>Binärwert des Pixel auslesen und letzte Stelle ersetzen</a:t>
+            </a:r>
+          </a:p>
+          <a:p>
+            <a:pPr marL="171450" indent="-171450">
+              <a:buFontTx/>
+              <a:buChar char="-"/>
+            </a:pPr>
+            <a:r>
+              <a:rPr lang="de-DE" dirty="0"/>
+              <a:t>Pixel in neues Bild einfügen</a:t>
+            </a:r>
+          </a:p>
+          <a:p>
+            <a:pPr marL="171450" indent="-171450">
+              <a:buFontTx/>
+              <a:buChar char="-"/>
+            </a:pPr>
+            <a:r>
+              <a:rPr lang="de-DE" dirty="0"/>
+              <a:t>Index erhöhen</a:t>
+            </a:r>
+          </a:p>
+        </p:txBody>
+      </p:sp>
+      <p:sp>
+        <p:nvSpPr>
+          <p:cNvPr id="4" name="Foliennummernplatzhalter 3"/>
+          <p:cNvSpPr>
+            <a:spLocks noGrp="1"/>
+          </p:cNvSpPr>
+          <p:nvPr>
+            <p:ph type="sldNum" sz="quarter" idx="5"/>
+          </p:nvPr>
+        </p:nvSpPr>
+        <p:spPr/>
+        <p:txBody>
+          <a:bodyPr/>
+          <a:lstStyle/>
+          <a:p>
+            <a:fld id="{4657A71A-5AE3-EA43-B407-0093EC871AAE}" type="slidenum">
+              <a:rPr lang="de-DE" smtClean="0"/>
+              <a:t>8</a:t>
+            </a:fld>
+            <a:endParaRPr lang="de-DE"/>
+          </a:p>
+        </p:txBody>
+      </p:sp>
+    </p:spTree>
+    <p:extLst>
+      <p:ext uri="{BB962C8B-B14F-4D97-AF65-F5344CB8AC3E}">
+        <p14:creationId xmlns:p14="http://schemas.microsoft.com/office/powerpoint/2010/main" val="1347094026"/>
+      </p:ext>
+    </p:extLst>
+  </p:cSld>
+  <p:clrMapOvr>
+    <a:masterClrMapping/>
+  </p:clrMapOvr>
+</p:notes>
+</file>
+
+<file path=ppt/notesSlides/notesSlide5.xml><?xml version="1.0" encoding="utf-8"?>
+<p:notes xmlns:a="http://schemas.openxmlformats.org/drawingml/2006/main" xmlns:r="http://schemas.openxmlformats.org/officeDocument/2006/relationships" xmlns:p="http://schemas.openxmlformats.org/presentationml/2006/main">
+  <p:cSld>
+    <p:spTree>
+      <p:nvGrpSpPr>
+        <p:cNvPr id="1" name=""/>
+        <p:cNvGrpSpPr/>
+        <p:nvPr/>
+      </p:nvGrpSpPr>
+      <p:grpSpPr>
+        <a:xfrm>
+          <a:off x="0" y="0"/>
+          <a:ext cx="0" cy="0"/>
+          <a:chOff x="0" y="0"/>
+          <a:chExt cx="0" cy="0"/>
+        </a:xfrm>
+      </p:grpSpPr>
+      <p:sp>
+        <p:nvSpPr>
+          <p:cNvPr id="2" name="Folienbildplatzhalter 1"/>
+          <p:cNvSpPr>
+            <a:spLocks noGrp="1" noRot="1" noChangeAspect="1"/>
+          </p:cNvSpPr>
+          <p:nvPr>
+            <p:ph type="sldImg"/>
+          </p:nvPr>
+        </p:nvSpPr>
+        <p:spPr/>
+      </p:sp>
+      <p:sp>
+        <p:nvSpPr>
+          <p:cNvPr id="3" name="Notizenplatzhalter 2"/>
+          <p:cNvSpPr>
+            <a:spLocks noGrp="1"/>
+          </p:cNvSpPr>
+          <p:nvPr>
+            <p:ph type="body" idx="1"/>
+          </p:nvPr>
+        </p:nvSpPr>
+        <p:spPr/>
+        <p:txBody>
+          <a:bodyPr/>
+          <a:lstStyle/>
+          <a:p>
+            <a:r>
+              <a:rPr lang="de-DE" dirty="0"/>
+              <a:t>PNG -&gt; </a:t>
+            </a:r>
+            <a:r>
+              <a:rPr lang="de-DE" dirty="0" err="1"/>
+              <a:t>velustfreies</a:t>
+            </a:r>
+            <a:r>
+              <a:rPr lang="de-DE" dirty="0"/>
+              <a:t> Speichern</a:t>
+            </a:r>
+          </a:p>
+          <a:p>
+            <a:r>
+              <a:rPr lang="de-DE" dirty="0"/>
+              <a:t>Quality und </a:t>
+            </a:r>
+            <a:r>
+              <a:rPr lang="de-DE" dirty="0" err="1"/>
+              <a:t>Optimize</a:t>
+            </a:r>
+            <a:r>
+              <a:rPr lang="de-DE" dirty="0"/>
+              <a:t> -&gt; keine Komprimierung</a:t>
+            </a:r>
+          </a:p>
+        </p:txBody>
+      </p:sp>
+      <p:sp>
+        <p:nvSpPr>
+          <p:cNvPr id="4" name="Foliennummernplatzhalter 3"/>
+          <p:cNvSpPr>
+            <a:spLocks noGrp="1"/>
+          </p:cNvSpPr>
+          <p:nvPr>
+            <p:ph type="sldNum" sz="quarter" idx="5"/>
+          </p:nvPr>
+        </p:nvSpPr>
+        <p:spPr/>
+        <p:txBody>
+          <a:bodyPr/>
+          <a:lstStyle/>
+          <a:p>
+            <a:fld id="{4657A71A-5AE3-EA43-B407-0093EC871AAE}" type="slidenum">
+              <a:rPr lang="de-DE" smtClean="0"/>
+              <a:t>9</a:t>
+            </a:fld>
+            <a:endParaRPr lang="de-DE"/>
+          </a:p>
+        </p:txBody>
+      </p:sp>
+    </p:spTree>
+    <p:extLst>
+      <p:ext uri="{BB962C8B-B14F-4D97-AF65-F5344CB8AC3E}">
+        <p14:creationId xmlns:p14="http://schemas.microsoft.com/office/powerpoint/2010/main" val="632336298"/>
+      </p:ext>
+    </p:extLst>
+  </p:cSld>
+  <p:clrMapOvr>
+    <a:masterClrMapping/>
+  </p:clrMapOvr>
+</p:notes>
+</file>
+
+<file path=ppt/notesSlides/notesSlide6.xml><?xml version="1.0" encoding="utf-8"?>
+<p:notes xmlns:a="http://schemas.openxmlformats.org/drawingml/2006/main" xmlns:r="http://schemas.openxmlformats.org/officeDocument/2006/relationships" xmlns:p="http://schemas.openxmlformats.org/presentationml/2006/main">
+  <p:cSld>
+    <p:spTree>
+      <p:nvGrpSpPr>
+        <p:cNvPr id="1" name=""/>
+        <p:cNvGrpSpPr/>
+        <p:nvPr/>
+      </p:nvGrpSpPr>
+      <p:grpSpPr>
+        <a:xfrm>
+          <a:off x="0" y="0"/>
+          <a:ext cx="0" cy="0"/>
+          <a:chOff x="0" y="0"/>
+          <a:chExt cx="0" cy="0"/>
+        </a:xfrm>
+      </p:grpSpPr>
+      <p:sp>
+        <p:nvSpPr>
+          <p:cNvPr id="2" name="Folienbildplatzhalter 1"/>
+          <p:cNvSpPr>
+            <a:spLocks noGrp="1" noRot="1" noChangeAspect="1"/>
+          </p:cNvSpPr>
+          <p:nvPr>
+            <p:ph type="sldImg"/>
+          </p:nvPr>
+        </p:nvSpPr>
+        <p:spPr/>
+      </p:sp>
+      <p:sp>
+        <p:nvSpPr>
+          <p:cNvPr id="3" name="Notizenplatzhalter 2"/>
+          <p:cNvSpPr>
+            <a:spLocks noGrp="1"/>
+          </p:cNvSpPr>
+          <p:nvPr>
+            <p:ph type="body" idx="1"/>
+          </p:nvPr>
+        </p:nvSpPr>
+        <p:spPr/>
+        <p:txBody>
+          <a:bodyPr/>
+          <a:lstStyle/>
+          <a:p>
+            <a:pPr marL="171450" indent="-171450">
+              <a:buFontTx/>
+              <a:buChar char="-"/>
+            </a:pPr>
+            <a:r>
+              <a:rPr lang="de-DE" dirty="0"/>
+              <a:t>Rauschen im ersten Teil des Bildes</a:t>
+            </a:r>
+          </a:p>
+          <a:p>
+            <a:pPr marL="171450" indent="-171450">
+              <a:buFontTx/>
+              <a:buChar char="-"/>
+            </a:pPr>
+            <a:r>
+              <a:rPr lang="de-DE" dirty="0"/>
+              <a:t>Könnte auffallen, wenn denn der Rest nicht rauscht</a:t>
+            </a:r>
+          </a:p>
+        </p:txBody>
+      </p:sp>
+      <p:sp>
+        <p:nvSpPr>
+          <p:cNvPr id="4" name="Foliennummernplatzhalter 3"/>
+          <p:cNvSpPr>
+            <a:spLocks noGrp="1"/>
+          </p:cNvSpPr>
+          <p:nvPr>
+            <p:ph type="sldNum" sz="quarter" idx="5"/>
+          </p:nvPr>
+        </p:nvSpPr>
+        <p:spPr/>
+        <p:txBody>
+          <a:bodyPr/>
+          <a:lstStyle/>
+          <a:p>
+            <a:fld id="{4657A71A-5AE3-EA43-B407-0093EC871AAE}" type="slidenum">
+              <a:rPr lang="de-DE" smtClean="0"/>
+              <a:t>11</a:t>
+            </a:fld>
+            <a:endParaRPr lang="de-DE"/>
+          </a:p>
+        </p:txBody>
+      </p:sp>
+    </p:spTree>
+    <p:extLst>
+      <p:ext uri="{BB962C8B-B14F-4D97-AF65-F5344CB8AC3E}">
+        <p14:creationId xmlns:p14="http://schemas.microsoft.com/office/powerpoint/2010/main" val="2182902877"/>
+      </p:ext>
+    </p:extLst>
+  </p:cSld>
+  <p:clrMapOvr>
+    <a:masterClrMapping/>
+  </p:clrMapOvr>
+</p:notes>
+</file>
+
+<file path=ppt/notesSlides/notesSlide7.xml><?xml version="1.0" encoding="utf-8"?>
+<p:notes xmlns:a="http://schemas.openxmlformats.org/drawingml/2006/main" xmlns:r="http://schemas.openxmlformats.org/officeDocument/2006/relationships" xmlns:p="http://schemas.openxmlformats.org/presentationml/2006/main">
+  <p:cSld>
+    <p:spTree>
+      <p:nvGrpSpPr>
+        <p:cNvPr id="1" name=""/>
+        <p:cNvGrpSpPr/>
+        <p:nvPr/>
+      </p:nvGrpSpPr>
+      <p:grpSpPr>
+        <a:xfrm>
+          <a:off x="0" y="0"/>
+          <a:ext cx="0" cy="0"/>
+          <a:chOff x="0" y="0"/>
+          <a:chExt cx="0" cy="0"/>
+        </a:xfrm>
+      </p:grpSpPr>
+      <p:sp>
+        <p:nvSpPr>
+          <p:cNvPr id="2" name="Folienbildplatzhalter 1"/>
+          <p:cNvSpPr>
+            <a:spLocks noGrp="1" noRot="1" noChangeAspect="1"/>
+          </p:cNvSpPr>
+          <p:nvPr>
+            <p:ph type="sldImg"/>
+          </p:nvPr>
+        </p:nvSpPr>
+        <p:spPr/>
+      </p:sp>
+      <p:sp>
+        <p:nvSpPr>
+          <p:cNvPr id="3" name="Notizenplatzhalter 2"/>
+          <p:cNvSpPr>
+            <a:spLocks noGrp="1"/>
+          </p:cNvSpPr>
+          <p:nvPr>
+            <p:ph type="body" idx="1"/>
+          </p:nvPr>
+        </p:nvSpPr>
+        <p:spPr/>
+        <p:txBody>
+          <a:bodyPr/>
+          <a:lstStyle/>
+          <a:p>
+            <a:r>
+              <a:rPr lang="de-DE" dirty="0"/>
+              <a:t>Gleichmäßige Verteilung über das gesamte Bild</a:t>
+            </a:r>
+          </a:p>
+        </p:txBody>
+      </p:sp>
+      <p:sp>
+        <p:nvSpPr>
+          <p:cNvPr id="4" name="Foliennummernplatzhalter 3"/>
+          <p:cNvSpPr>
+            <a:spLocks noGrp="1"/>
+          </p:cNvSpPr>
+          <p:nvPr>
+            <p:ph type="sldNum" sz="quarter" idx="5"/>
+          </p:nvPr>
+        </p:nvSpPr>
+        <p:spPr/>
+        <p:txBody>
+          <a:bodyPr/>
+          <a:lstStyle/>
+          <a:p>
+            <a:fld id="{4657A71A-5AE3-EA43-B407-0093EC871AAE}" type="slidenum">
+              <a:rPr lang="de-DE" smtClean="0"/>
+              <a:t>12</a:t>
+            </a:fld>
+            <a:endParaRPr lang="de-DE"/>
+          </a:p>
+        </p:txBody>
+      </p:sp>
+    </p:spTree>
+    <p:extLst>
+      <p:ext uri="{BB962C8B-B14F-4D97-AF65-F5344CB8AC3E}">
+        <p14:creationId xmlns:p14="http://schemas.microsoft.com/office/powerpoint/2010/main" val="2841641329"/>
+      </p:ext>
+    </p:extLst>
+  </p:cSld>
+  <p:clrMapOvr>
+    <a:masterClrMapping/>
+  </p:clrMapOvr>
+</p:notes>
+</file>
+
+<file path=ppt/notesSlides/notesSlide8.xml><?xml version="1.0" encoding="utf-8"?>
+<p:notes xmlns:a="http://schemas.openxmlformats.org/drawingml/2006/main" xmlns:r="http://schemas.openxmlformats.org/officeDocument/2006/relationships" xmlns:p="http://schemas.openxmlformats.org/presentationml/2006/main">
+  <p:cSld>
+    <p:spTree>
+      <p:nvGrpSpPr>
+        <p:cNvPr id="1" name=""/>
+        <p:cNvGrpSpPr/>
+        <p:nvPr/>
+      </p:nvGrpSpPr>
+      <p:grpSpPr>
+        <a:xfrm>
+          <a:off x="0" y="0"/>
+          <a:ext cx="0" cy="0"/>
+          <a:chOff x="0" y="0"/>
+          <a:chExt cx="0" cy="0"/>
+        </a:xfrm>
+      </p:grpSpPr>
+      <p:sp>
+        <p:nvSpPr>
+          <p:cNvPr id="2" name="Folienbildplatzhalter 1"/>
+          <p:cNvSpPr>
+            <a:spLocks noGrp="1" noRot="1" noChangeAspect="1"/>
+          </p:cNvSpPr>
+          <p:nvPr>
+            <p:ph type="sldImg"/>
+          </p:nvPr>
+        </p:nvSpPr>
+        <p:spPr/>
+      </p:sp>
+      <p:sp>
+        <p:nvSpPr>
+          <p:cNvPr id="3" name="Notizenplatzhalter 2"/>
+          <p:cNvSpPr>
+            <a:spLocks noGrp="1"/>
+          </p:cNvSpPr>
+          <p:nvPr>
+            <p:ph type="body" idx="1"/>
+          </p:nvPr>
+        </p:nvSpPr>
+        <p:spPr/>
+        <p:txBody>
+          <a:bodyPr/>
+          <a:lstStyle/>
+          <a:p>
+            <a:pPr marL="171450" indent="-171450">
+              <a:buFontTx/>
+              <a:buChar char="-"/>
+            </a:pPr>
+            <a:r>
+              <a:rPr lang="de-DE" dirty="0"/>
+              <a:t>Diagonale Striche durch Rauschen</a:t>
+            </a:r>
+          </a:p>
+          <a:p>
+            <a:pPr marL="171450" indent="-171450">
+              <a:buFontTx/>
+              <a:buChar char="-"/>
+            </a:pPr>
+            <a:r>
+              <a:rPr lang="de-DE" dirty="0"/>
+              <a:t>Auch ohne Zoom bereits erkennbar</a:t>
+            </a:r>
+          </a:p>
+        </p:txBody>
+      </p:sp>
+      <p:sp>
+        <p:nvSpPr>
+          <p:cNvPr id="4" name="Foliennummernplatzhalter 3"/>
+          <p:cNvSpPr>
+            <a:spLocks noGrp="1"/>
+          </p:cNvSpPr>
+          <p:nvPr>
+            <p:ph type="sldNum" sz="quarter" idx="5"/>
+          </p:nvPr>
+        </p:nvSpPr>
+        <p:spPr/>
+        <p:txBody>
+          <a:bodyPr/>
+          <a:lstStyle/>
+          <a:p>
+            <a:fld id="{4657A71A-5AE3-EA43-B407-0093EC871AAE}" type="slidenum">
+              <a:rPr lang="de-DE" smtClean="0"/>
+              <a:t>18</a:t>
+            </a:fld>
+            <a:endParaRPr lang="de-DE"/>
+          </a:p>
+        </p:txBody>
+      </p:sp>
+    </p:spTree>
+    <p:extLst>
+      <p:ext uri="{BB962C8B-B14F-4D97-AF65-F5344CB8AC3E}">
+        <p14:creationId xmlns:p14="http://schemas.microsoft.com/office/powerpoint/2010/main" val="3767567867"/>
+      </p:ext>
+    </p:extLst>
+  </p:cSld>
+  <p:clrMapOvr>
+    <a:masterClrMapping/>
+  </p:clrMapOvr>
+</p:notes>
+</file>
+
+<file path=ppt/notesSlides/notesSlide9.xml><?xml version="1.0" encoding="utf-8"?>
+<p:notes xmlns:a="http://schemas.openxmlformats.org/drawingml/2006/main" xmlns:r="http://schemas.openxmlformats.org/officeDocument/2006/relationships" xmlns:p="http://schemas.openxmlformats.org/presentationml/2006/main">
+  <p:cSld>
+    <p:spTree>
+      <p:nvGrpSpPr>
+        <p:cNvPr id="1" name=""/>
+        <p:cNvGrpSpPr/>
+        <p:nvPr/>
+      </p:nvGrpSpPr>
+      <p:grpSpPr>
+        <a:xfrm>
+          <a:off x="0" y="0"/>
+          <a:ext cx="0" cy="0"/>
+          <a:chOff x="0" y="0"/>
+          <a:chExt cx="0" cy="0"/>
+        </a:xfrm>
+      </p:grpSpPr>
+      <p:sp>
+        <p:nvSpPr>
+          <p:cNvPr id="2" name="Folienbildplatzhalter 1"/>
+          <p:cNvSpPr>
+            <a:spLocks noGrp="1" noRot="1" noChangeAspect="1"/>
+          </p:cNvSpPr>
+          <p:nvPr>
+            <p:ph type="sldImg"/>
+          </p:nvPr>
+        </p:nvSpPr>
+        <p:spPr/>
+      </p:sp>
+      <p:sp>
+        <p:nvSpPr>
+          <p:cNvPr id="3" name="Notizenplatzhalter 2"/>
+          <p:cNvSpPr>
+            <a:spLocks noGrp="1"/>
+          </p:cNvSpPr>
+          <p:nvPr>
+            <p:ph type="body" idx="1"/>
+          </p:nvPr>
+        </p:nvSpPr>
+        <p:spPr/>
+        <p:txBody>
+          <a:bodyPr/>
+          <a:lstStyle/>
+          <a:p>
+            <a:endParaRPr lang="de-DE" dirty="0"/>
+          </a:p>
+        </p:txBody>
+      </p:sp>
+      <p:sp>
+        <p:nvSpPr>
+          <p:cNvPr id="4" name="Foliennummernplatzhalter 3"/>
+          <p:cNvSpPr>
+            <a:spLocks noGrp="1"/>
+          </p:cNvSpPr>
+          <p:nvPr>
+            <p:ph type="sldNum" sz="quarter" idx="5"/>
+          </p:nvPr>
+        </p:nvSpPr>
+        <p:spPr/>
+        <p:txBody>
+          <a:bodyPr/>
+          <a:lstStyle/>
+          <a:p>
+            <a:fld id="{4657A71A-5AE3-EA43-B407-0093EC871AAE}" type="slidenum">
+              <a:rPr lang="de-DE" smtClean="0"/>
+              <a:t>21</a:t>
+            </a:fld>
+            <a:endParaRPr lang="de-DE"/>
+          </a:p>
+        </p:txBody>
+      </p:sp>
+    </p:spTree>
+    <p:extLst>
+      <p:ext uri="{BB962C8B-B14F-4D97-AF65-F5344CB8AC3E}">
+        <p14:creationId xmlns:p14="http://schemas.microsoft.com/office/powerpoint/2010/main" val="3278650709"/>
+      </p:ext>
+    </p:extLst>
+  </p:cSld>
+  <p:clrMapOvr>
+    <a:masterClrMapping/>
+  </p:clrMapOvr>
+</p:notes>
+</file>
+
 <file path=ppt/slideLayouts/slideLayout1.xml><?xml version="1.0" encoding="utf-8"?>
 <p:sldLayout xmlns:a="http://schemas.openxmlformats.org/drawingml/2006/main" xmlns:r="http://schemas.openxmlformats.org/officeDocument/2006/relationships" xmlns:p="http://schemas.openxmlformats.org/presentationml/2006/main" preserve="1" userDrawn="1">
   <p:cSld name="Titelfolie">
@@ -1469,7 +2510,7 @@
                 <a:ea typeface="Helvetica" charset="0"/>
                 <a:cs typeface="Helvetica" charset="0"/>
               </a:rPr>
-              <a:t>11. November 2018</a:t>
+              <a:t>12. November 2018</a:t>
             </a:fld>
             <a:endParaRPr lang="de-DE" sz="1400" b="1" dirty="0">
               <a:effectLst/>
@@ -3805,17 +4846,17 @@
           <a:p>
             <a:r>
               <a:rPr lang="de-DE" dirty="0"/>
-              <a:t>Verteilung der Bits</a:t>
+              <a:t>Codiertes Bild</a:t>
             </a:r>
           </a:p>
         </p:txBody>
       </p:sp>
       <p:pic>
         <p:nvPicPr>
-          <p:cNvPr id="5" name="Grafik 4">
+          <p:cNvPr id="9" name="Grafik 8">
             <a:extLst>
               <a:ext uri="{FF2B5EF4-FFF2-40B4-BE49-F238E27FC236}">
-                <a16:creationId xmlns:a16="http://schemas.microsoft.com/office/drawing/2014/main" id="{042E58FD-4D23-334A-A6C6-60F5D2C4D394}"/>
+                <a16:creationId xmlns:a16="http://schemas.microsoft.com/office/drawing/2014/main" id="{FF955252-EF42-9849-8D62-41A51BA973D2}"/>
               </a:ext>
             </a:extLst>
           </p:cNvPr>
@@ -3832,18 +4873,53 @@
         </p:blipFill>
         <p:spPr>
           <a:xfrm>
-            <a:off x="1124440" y="1402178"/>
-            <a:ext cx="7035800" cy="4813300"/>
+            <a:off x="1401661" y="1299279"/>
+            <a:ext cx="6340677" cy="4755508"/>
           </a:xfrm>
           <a:prstGeom prst="rect">
             <a:avLst/>
           </a:prstGeom>
         </p:spPr>
       </p:pic>
+      <p:sp>
+        <p:nvSpPr>
+          <p:cNvPr id="3" name="Textfeld 2">
+            <a:extLst>
+              <a:ext uri="{FF2B5EF4-FFF2-40B4-BE49-F238E27FC236}">
+                <a16:creationId xmlns:a16="http://schemas.microsoft.com/office/drawing/2014/main" id="{7ED115AE-E08B-4E47-BB15-47786E04EDF1}"/>
+              </a:ext>
+            </a:extLst>
+          </p:cNvPr>
+          <p:cNvSpPr txBox="1"/>
+          <p:nvPr/>
+        </p:nvSpPr>
+        <p:spPr>
+          <a:xfrm>
+            <a:off x="3837759" y="1609574"/>
+            <a:ext cx="1468479" cy="369332"/>
+          </a:xfrm>
+          <a:prstGeom prst="rect">
+            <a:avLst/>
+          </a:prstGeom>
+          <a:noFill/>
+        </p:spPr>
+        <p:txBody>
+          <a:bodyPr wrap="none" rtlCol="0">
+            <a:spAutoFit/>
+          </a:bodyPr>
+          <a:lstStyle/>
+          <a:p>
+            <a:r>
+              <a:rPr lang="de-DE" dirty="0"/>
+              <a:t>1 Bit pro Pixel</a:t>
+            </a:r>
+          </a:p>
+        </p:txBody>
+      </p:sp>
     </p:spTree>
     <p:extLst>
       <p:ext uri="{BB962C8B-B14F-4D97-AF65-F5344CB8AC3E}">
-        <p14:creationId xmlns:p14="http://schemas.microsoft.com/office/powerpoint/2010/main" val="2763452971"/>
+        <p14:creationId xmlns:p14="http://schemas.microsoft.com/office/powerpoint/2010/main" val="2810482453"/>
       </p:ext>
     </p:extLst>
   </p:cSld>
@@ -3887,19 +4963,79 @@
           <a:p>
             <a:r>
               <a:rPr lang="de-DE" dirty="0"/>
-              <a:t>Inhalt</a:t>
-            </a:r>
-          </a:p>
-        </p:txBody>
-      </p:sp>
-      <p:sp>
-        <p:nvSpPr>
-          <p:cNvPr id="3" name="Inhaltsplatzhalter 2"/>
+              <a:t>Verteilung der Bits</a:t>
+            </a:r>
+          </a:p>
+        </p:txBody>
+      </p:sp>
+      <p:pic>
+        <p:nvPicPr>
+          <p:cNvPr id="7" name="Grafik 6">
+            <a:extLst>
+              <a:ext uri="{FF2B5EF4-FFF2-40B4-BE49-F238E27FC236}">
+                <a16:creationId xmlns:a16="http://schemas.microsoft.com/office/drawing/2014/main" id="{75974717-D42F-0745-A3CE-4518ECE0AB6E}"/>
+              </a:ext>
+            </a:extLst>
+          </p:cNvPr>
+          <p:cNvPicPr>
+            <a:picLocks noChangeAspect="1"/>
+          </p:cNvPicPr>
+          <p:nvPr/>
+        </p:nvPicPr>
+        <p:blipFill>
+          <a:blip r:embed="rId3"/>
+          <a:stretch>
+            <a:fillRect/>
+          </a:stretch>
+        </p:blipFill>
+        <p:spPr>
+          <a:xfrm>
+            <a:off x="1068168" y="1388110"/>
+            <a:ext cx="7035800" cy="4813300"/>
+          </a:xfrm>
+          <a:prstGeom prst="rect">
+            <a:avLst/>
+          </a:prstGeom>
+        </p:spPr>
+      </p:pic>
+    </p:spTree>
+    <p:extLst>
+      <p:ext uri="{BB962C8B-B14F-4D97-AF65-F5344CB8AC3E}">
+        <p14:creationId xmlns:p14="http://schemas.microsoft.com/office/powerpoint/2010/main" val="3210296290"/>
+      </p:ext>
+    </p:extLst>
+  </p:cSld>
+  <p:clrMapOvr>
+    <a:masterClrMapping/>
+  </p:clrMapOvr>
+</p:sld>
+</file>
+
+<file path=ppt/slides/slide12.xml><?xml version="1.0" encoding="utf-8"?>
+<p:sld xmlns:a="http://schemas.openxmlformats.org/drawingml/2006/main" xmlns:r="http://schemas.openxmlformats.org/officeDocument/2006/relationships" xmlns:p="http://schemas.openxmlformats.org/presentationml/2006/main">
+  <p:cSld>
+    <p:spTree>
+      <p:nvGrpSpPr>
+        <p:cNvPr id="1" name=""/>
+        <p:cNvGrpSpPr/>
+        <p:nvPr/>
+      </p:nvGrpSpPr>
+      <p:grpSpPr>
+        <a:xfrm>
+          <a:off x="0" y="0"/>
+          <a:ext cx="0" cy="0"/>
+          <a:chOff x="0" y="0"/>
+          <a:chExt cx="0" cy="0"/>
+        </a:xfrm>
+      </p:grpSpPr>
+      <p:sp>
+        <p:nvSpPr>
+          <p:cNvPr id="2" name="Titel 1"/>
           <p:cNvSpPr>
             <a:spLocks noGrp="1"/>
           </p:cNvSpPr>
           <p:nvPr>
-            <p:ph idx="1"/>
+            <p:ph type="title"/>
           </p:nvPr>
         </p:nvSpPr>
         <p:spPr/>
@@ -3908,68 +5044,620 @@
           <a:lstStyle/>
           <a:p>
             <a:r>
-              <a:rPr lang="de-DE" b="1" dirty="0"/>
-              <a:t>Überblick über das Seminar</a:t>
-            </a:r>
-          </a:p>
-          <a:p>
-            <a:r>
-              <a:rPr lang="de-DE" b="1" dirty="0" err="1"/>
-              <a:t>Steganographie</a:t>
-            </a:r>
-            <a:endParaRPr lang="de-DE" b="1" dirty="0"/>
-          </a:p>
-          <a:p>
-            <a:pPr lvl="1"/>
-            <a:r>
               <a:rPr lang="de-DE" dirty="0"/>
-              <a:t>Grundlagen/Erläuterung</a:t>
-            </a:r>
-          </a:p>
-          <a:p>
-            <a:pPr lvl="1"/>
-            <a:r>
-              <a:rPr lang="de-DE" dirty="0"/>
-              <a:t>Verstecken von Text in Bildern</a:t>
-            </a:r>
-          </a:p>
-          <a:p>
-            <a:pPr lvl="2"/>
-            <a:r>
-              <a:rPr lang="de-DE" dirty="0"/>
-              <a:t>Naiver Ansatz</a:t>
-            </a:r>
-          </a:p>
-          <a:p>
-            <a:pPr lvl="2"/>
-            <a:r>
-              <a:rPr lang="de-DE" dirty="0"/>
-              <a:t>LSB-Methodik</a:t>
-            </a:r>
-          </a:p>
-          <a:p>
-            <a:endParaRPr lang="de-DE" b="1" dirty="0"/>
-          </a:p>
-          <a:p>
-            <a:r>
-              <a:rPr lang="de-DE" b="1" dirty="0"/>
-              <a:t>Steganalyse</a:t>
-            </a:r>
-          </a:p>
-          <a:p>
-            <a:pPr lvl="1"/>
-            <a:r>
-              <a:rPr lang="de-DE"/>
-              <a:t>Grundlagen/Erläuterung</a:t>
-            </a:r>
-            <a:endParaRPr lang="de-DE" dirty="0"/>
-          </a:p>
-        </p:txBody>
-      </p:sp>
+              <a:t>Verteilung der Bits</a:t>
+            </a:r>
+          </a:p>
+        </p:txBody>
+      </p:sp>
+      <p:pic>
+        <p:nvPicPr>
+          <p:cNvPr id="5" name="Grafik 4">
+            <a:extLst>
+              <a:ext uri="{FF2B5EF4-FFF2-40B4-BE49-F238E27FC236}">
+                <a16:creationId xmlns:a16="http://schemas.microsoft.com/office/drawing/2014/main" id="{042E58FD-4D23-334A-A6C6-60F5D2C4D394}"/>
+              </a:ext>
+            </a:extLst>
+          </p:cNvPr>
+          <p:cNvPicPr>
+            <a:picLocks noChangeAspect="1"/>
+          </p:cNvPicPr>
+          <p:nvPr/>
+        </p:nvPicPr>
+        <p:blipFill>
+          <a:blip r:embed="rId3"/>
+          <a:stretch>
+            <a:fillRect/>
+          </a:stretch>
+        </p:blipFill>
+        <p:spPr>
+          <a:xfrm>
+            <a:off x="1124440" y="1402178"/>
+            <a:ext cx="7035800" cy="4813300"/>
+          </a:xfrm>
+          <a:prstGeom prst="rect">
+            <a:avLst/>
+          </a:prstGeom>
+        </p:spPr>
+      </p:pic>
     </p:spTree>
     <p:extLst>
       <p:ext uri="{BB962C8B-B14F-4D97-AF65-F5344CB8AC3E}">
-        <p14:creationId xmlns:p14="http://schemas.microsoft.com/office/powerpoint/2010/main" val="131254668"/>
+        <p14:creationId xmlns:p14="http://schemas.microsoft.com/office/powerpoint/2010/main" val="2763452971"/>
+      </p:ext>
+    </p:extLst>
+  </p:cSld>
+  <p:clrMapOvr>
+    <a:masterClrMapping/>
+  </p:clrMapOvr>
+</p:sld>
+</file>
+
+<file path=ppt/slides/slide13.xml><?xml version="1.0" encoding="utf-8"?>
+<p:sld xmlns:a="http://schemas.openxmlformats.org/drawingml/2006/main" xmlns:r="http://schemas.openxmlformats.org/officeDocument/2006/relationships" xmlns:p="http://schemas.openxmlformats.org/presentationml/2006/main">
+  <p:cSld>
+    <p:spTree>
+      <p:nvGrpSpPr>
+        <p:cNvPr id="1" name=""/>
+        <p:cNvGrpSpPr/>
+        <p:nvPr/>
+      </p:nvGrpSpPr>
+      <p:grpSpPr>
+        <a:xfrm>
+          <a:off x="0" y="0"/>
+          <a:ext cx="0" cy="0"/>
+          <a:chOff x="0" y="0"/>
+          <a:chExt cx="0" cy="0"/>
+        </a:xfrm>
+      </p:grpSpPr>
+      <p:sp>
+        <p:nvSpPr>
+          <p:cNvPr id="2" name="Titel 1"/>
+          <p:cNvSpPr>
+            <a:spLocks noGrp="1"/>
+          </p:cNvSpPr>
+          <p:nvPr>
+            <p:ph type="title"/>
+          </p:nvPr>
+        </p:nvSpPr>
+        <p:spPr/>
+        <p:txBody>
+          <a:bodyPr/>
+          <a:lstStyle/>
+          <a:p>
+            <a:r>
+              <a:rPr lang="de-DE" dirty="0"/>
+              <a:t>1 Bit pro Pixel</a:t>
+            </a:r>
+          </a:p>
+        </p:txBody>
+      </p:sp>
+      <p:pic>
+        <p:nvPicPr>
+          <p:cNvPr id="9" name="Grafik 8">
+            <a:extLst>
+              <a:ext uri="{FF2B5EF4-FFF2-40B4-BE49-F238E27FC236}">
+                <a16:creationId xmlns:a16="http://schemas.microsoft.com/office/drawing/2014/main" id="{FF955252-EF42-9849-8D62-41A51BA973D2}"/>
+              </a:ext>
+            </a:extLst>
+          </p:cNvPr>
+          <p:cNvPicPr>
+            <a:picLocks noChangeAspect="1"/>
+          </p:cNvPicPr>
+          <p:nvPr/>
+        </p:nvPicPr>
+        <p:blipFill>
+          <a:blip r:embed="rId2"/>
+          <a:stretch>
+            <a:fillRect/>
+          </a:stretch>
+        </p:blipFill>
+        <p:spPr>
+          <a:xfrm>
+            <a:off x="1388961" y="1350079"/>
+            <a:ext cx="6340677" cy="4755507"/>
+          </a:xfrm>
+          <a:prstGeom prst="rect">
+            <a:avLst/>
+          </a:prstGeom>
+        </p:spPr>
+      </p:pic>
+    </p:spTree>
+    <p:extLst>
+      <p:ext uri="{BB962C8B-B14F-4D97-AF65-F5344CB8AC3E}">
+        <p14:creationId xmlns:p14="http://schemas.microsoft.com/office/powerpoint/2010/main" val="1290890051"/>
+      </p:ext>
+    </p:extLst>
+  </p:cSld>
+  <p:clrMapOvr>
+    <a:masterClrMapping/>
+  </p:clrMapOvr>
+</p:sld>
+</file>
+
+<file path=ppt/slides/slide14.xml><?xml version="1.0" encoding="utf-8"?>
+<p:sld xmlns:a="http://schemas.openxmlformats.org/drawingml/2006/main" xmlns:r="http://schemas.openxmlformats.org/officeDocument/2006/relationships" xmlns:p="http://schemas.openxmlformats.org/presentationml/2006/main">
+  <p:cSld>
+    <p:spTree>
+      <p:nvGrpSpPr>
+        <p:cNvPr id="1" name=""/>
+        <p:cNvGrpSpPr/>
+        <p:nvPr/>
+      </p:nvGrpSpPr>
+      <p:grpSpPr>
+        <a:xfrm>
+          <a:off x="0" y="0"/>
+          <a:ext cx="0" cy="0"/>
+          <a:chOff x="0" y="0"/>
+          <a:chExt cx="0" cy="0"/>
+        </a:xfrm>
+      </p:grpSpPr>
+      <p:sp>
+        <p:nvSpPr>
+          <p:cNvPr id="2" name="Titel 1"/>
+          <p:cNvSpPr>
+            <a:spLocks noGrp="1"/>
+          </p:cNvSpPr>
+          <p:nvPr>
+            <p:ph type="title"/>
+          </p:nvPr>
+        </p:nvSpPr>
+        <p:spPr/>
+        <p:txBody>
+          <a:bodyPr/>
+          <a:lstStyle/>
+          <a:p>
+            <a:r>
+              <a:rPr lang="de-DE" dirty="0"/>
+              <a:t>1 Bit pro Pixel</a:t>
+            </a:r>
+          </a:p>
+        </p:txBody>
+      </p:sp>
+      <p:pic>
+        <p:nvPicPr>
+          <p:cNvPr id="9" name="Grafik 8">
+            <a:extLst>
+              <a:ext uri="{FF2B5EF4-FFF2-40B4-BE49-F238E27FC236}">
+                <a16:creationId xmlns:a16="http://schemas.microsoft.com/office/drawing/2014/main" id="{FF955252-EF42-9849-8D62-41A51BA973D2}"/>
+              </a:ext>
+            </a:extLst>
+          </p:cNvPr>
+          <p:cNvPicPr>
+            <a:picLocks noChangeAspect="1"/>
+          </p:cNvPicPr>
+          <p:nvPr/>
+        </p:nvPicPr>
+        <p:blipFill>
+          <a:blip r:embed="rId2"/>
+          <a:stretch>
+            <a:fillRect/>
+          </a:stretch>
+        </p:blipFill>
+        <p:spPr>
+          <a:xfrm>
+            <a:off x="1401661" y="1540579"/>
+            <a:ext cx="6340677" cy="4755507"/>
+          </a:xfrm>
+          <a:prstGeom prst="rect">
+            <a:avLst/>
+          </a:prstGeom>
+        </p:spPr>
+      </p:pic>
+    </p:spTree>
+    <p:extLst>
+      <p:ext uri="{BB962C8B-B14F-4D97-AF65-F5344CB8AC3E}">
+        <p14:creationId xmlns:p14="http://schemas.microsoft.com/office/powerpoint/2010/main" val="2347674112"/>
+      </p:ext>
+    </p:extLst>
+  </p:cSld>
+  <p:clrMapOvr>
+    <a:masterClrMapping/>
+  </p:clrMapOvr>
+</p:sld>
+</file>
+
+<file path=ppt/slides/slide15.xml><?xml version="1.0" encoding="utf-8"?>
+<p:sld xmlns:a="http://schemas.openxmlformats.org/drawingml/2006/main" xmlns:r="http://schemas.openxmlformats.org/officeDocument/2006/relationships" xmlns:p="http://schemas.openxmlformats.org/presentationml/2006/main">
+  <p:cSld>
+    <p:spTree>
+      <p:nvGrpSpPr>
+        <p:cNvPr id="1" name=""/>
+        <p:cNvGrpSpPr/>
+        <p:nvPr/>
+      </p:nvGrpSpPr>
+      <p:grpSpPr>
+        <a:xfrm>
+          <a:off x="0" y="0"/>
+          <a:ext cx="0" cy="0"/>
+          <a:chOff x="0" y="0"/>
+          <a:chExt cx="0" cy="0"/>
+        </a:xfrm>
+      </p:grpSpPr>
+      <p:sp>
+        <p:nvSpPr>
+          <p:cNvPr id="2" name="Titel 1"/>
+          <p:cNvSpPr>
+            <a:spLocks noGrp="1"/>
+          </p:cNvSpPr>
+          <p:nvPr>
+            <p:ph type="title"/>
+          </p:nvPr>
+        </p:nvSpPr>
+        <p:spPr/>
+        <p:txBody>
+          <a:bodyPr/>
+          <a:lstStyle/>
+          <a:p>
+            <a:r>
+              <a:rPr lang="de-DE" dirty="0"/>
+              <a:t>2 Bit pro Pixel</a:t>
+            </a:r>
+          </a:p>
+        </p:txBody>
+      </p:sp>
+      <p:pic>
+        <p:nvPicPr>
+          <p:cNvPr id="9" name="Grafik 8">
+            <a:extLst>
+              <a:ext uri="{FF2B5EF4-FFF2-40B4-BE49-F238E27FC236}">
+                <a16:creationId xmlns:a16="http://schemas.microsoft.com/office/drawing/2014/main" id="{FF955252-EF42-9849-8D62-41A51BA973D2}"/>
+              </a:ext>
+            </a:extLst>
+          </p:cNvPr>
+          <p:cNvPicPr>
+            <a:picLocks noChangeAspect="1"/>
+          </p:cNvPicPr>
+          <p:nvPr/>
+        </p:nvPicPr>
+        <p:blipFill>
+          <a:blip r:embed="rId2"/>
+          <a:stretch>
+            <a:fillRect/>
+          </a:stretch>
+        </p:blipFill>
+        <p:spPr>
+          <a:xfrm>
+            <a:off x="1401661" y="1350079"/>
+            <a:ext cx="6340677" cy="4755507"/>
+          </a:xfrm>
+          <a:prstGeom prst="rect">
+            <a:avLst/>
+          </a:prstGeom>
+        </p:spPr>
+      </p:pic>
+    </p:spTree>
+    <p:extLst>
+      <p:ext uri="{BB962C8B-B14F-4D97-AF65-F5344CB8AC3E}">
+        <p14:creationId xmlns:p14="http://schemas.microsoft.com/office/powerpoint/2010/main" val="3892551260"/>
+      </p:ext>
+    </p:extLst>
+  </p:cSld>
+  <p:clrMapOvr>
+    <a:masterClrMapping/>
+  </p:clrMapOvr>
+</p:sld>
+</file>
+
+<file path=ppt/slides/slide16.xml><?xml version="1.0" encoding="utf-8"?>
+<p:sld xmlns:a="http://schemas.openxmlformats.org/drawingml/2006/main" xmlns:r="http://schemas.openxmlformats.org/officeDocument/2006/relationships" xmlns:p="http://schemas.openxmlformats.org/presentationml/2006/main">
+  <p:cSld>
+    <p:spTree>
+      <p:nvGrpSpPr>
+        <p:cNvPr id="1" name=""/>
+        <p:cNvGrpSpPr/>
+        <p:nvPr/>
+      </p:nvGrpSpPr>
+      <p:grpSpPr>
+        <a:xfrm>
+          <a:off x="0" y="0"/>
+          <a:ext cx="0" cy="0"/>
+          <a:chOff x="0" y="0"/>
+          <a:chExt cx="0" cy="0"/>
+        </a:xfrm>
+      </p:grpSpPr>
+      <p:sp>
+        <p:nvSpPr>
+          <p:cNvPr id="2" name="Titel 1"/>
+          <p:cNvSpPr>
+            <a:spLocks noGrp="1"/>
+          </p:cNvSpPr>
+          <p:nvPr>
+            <p:ph type="title"/>
+          </p:nvPr>
+        </p:nvSpPr>
+        <p:spPr/>
+        <p:txBody>
+          <a:bodyPr/>
+          <a:lstStyle/>
+          <a:p>
+            <a:r>
+              <a:rPr lang="de-DE" dirty="0"/>
+              <a:t>2 Bit pro Pixel</a:t>
+            </a:r>
+          </a:p>
+        </p:txBody>
+      </p:sp>
+      <p:pic>
+        <p:nvPicPr>
+          <p:cNvPr id="9" name="Grafik 8">
+            <a:extLst>
+              <a:ext uri="{FF2B5EF4-FFF2-40B4-BE49-F238E27FC236}">
+                <a16:creationId xmlns:a16="http://schemas.microsoft.com/office/drawing/2014/main" id="{FF955252-EF42-9849-8D62-41A51BA973D2}"/>
+              </a:ext>
+            </a:extLst>
+          </p:cNvPr>
+          <p:cNvPicPr>
+            <a:picLocks noChangeAspect="1"/>
+          </p:cNvPicPr>
+          <p:nvPr/>
+        </p:nvPicPr>
+        <p:blipFill>
+          <a:blip r:embed="rId2"/>
+          <a:stretch>
+            <a:fillRect/>
+          </a:stretch>
+        </p:blipFill>
+        <p:spPr>
+          <a:xfrm>
+            <a:off x="1401662" y="1537481"/>
+            <a:ext cx="6340676" cy="4755507"/>
+          </a:xfrm>
+          <a:prstGeom prst="rect">
+            <a:avLst/>
+          </a:prstGeom>
+        </p:spPr>
+      </p:pic>
+    </p:spTree>
+    <p:extLst>
+      <p:ext uri="{BB962C8B-B14F-4D97-AF65-F5344CB8AC3E}">
+        <p14:creationId xmlns:p14="http://schemas.microsoft.com/office/powerpoint/2010/main" val="1325489869"/>
+      </p:ext>
+    </p:extLst>
+  </p:cSld>
+  <p:clrMapOvr>
+    <a:masterClrMapping/>
+  </p:clrMapOvr>
+</p:sld>
+</file>
+
+<file path=ppt/slides/slide17.xml><?xml version="1.0" encoding="utf-8"?>
+<p:sld xmlns:a="http://schemas.openxmlformats.org/drawingml/2006/main" xmlns:r="http://schemas.openxmlformats.org/officeDocument/2006/relationships" xmlns:p="http://schemas.openxmlformats.org/presentationml/2006/main">
+  <p:cSld>
+    <p:spTree>
+      <p:nvGrpSpPr>
+        <p:cNvPr id="1" name=""/>
+        <p:cNvGrpSpPr/>
+        <p:nvPr/>
+      </p:nvGrpSpPr>
+      <p:grpSpPr>
+        <a:xfrm>
+          <a:off x="0" y="0"/>
+          <a:ext cx="0" cy="0"/>
+          <a:chOff x="0" y="0"/>
+          <a:chExt cx="0" cy="0"/>
+        </a:xfrm>
+      </p:grpSpPr>
+      <p:sp>
+        <p:nvSpPr>
+          <p:cNvPr id="2" name="Titel 1"/>
+          <p:cNvSpPr>
+            <a:spLocks noGrp="1"/>
+          </p:cNvSpPr>
+          <p:nvPr>
+            <p:ph type="title"/>
+          </p:nvPr>
+        </p:nvSpPr>
+        <p:spPr/>
+        <p:txBody>
+          <a:bodyPr/>
+          <a:lstStyle/>
+          <a:p>
+            <a:r>
+              <a:rPr lang="de-DE" dirty="0"/>
+              <a:t>4 Bit pro Pixel</a:t>
+            </a:r>
+          </a:p>
+        </p:txBody>
+      </p:sp>
+      <p:pic>
+        <p:nvPicPr>
+          <p:cNvPr id="9" name="Grafik 8">
+            <a:extLst>
+              <a:ext uri="{FF2B5EF4-FFF2-40B4-BE49-F238E27FC236}">
+                <a16:creationId xmlns:a16="http://schemas.microsoft.com/office/drawing/2014/main" id="{FF955252-EF42-9849-8D62-41A51BA973D2}"/>
+              </a:ext>
+            </a:extLst>
+          </p:cNvPr>
+          <p:cNvPicPr>
+            <a:picLocks noChangeAspect="1"/>
+          </p:cNvPicPr>
+          <p:nvPr/>
+        </p:nvPicPr>
+        <p:blipFill>
+          <a:blip r:embed="rId2"/>
+          <a:stretch>
+            <a:fillRect/>
+          </a:stretch>
+        </p:blipFill>
+        <p:spPr>
+          <a:xfrm>
+            <a:off x="1401662" y="1350079"/>
+            <a:ext cx="6340676" cy="4755507"/>
+          </a:xfrm>
+          <a:prstGeom prst="rect">
+            <a:avLst/>
+          </a:prstGeom>
+        </p:spPr>
+      </p:pic>
+    </p:spTree>
+    <p:extLst>
+      <p:ext uri="{BB962C8B-B14F-4D97-AF65-F5344CB8AC3E}">
+        <p14:creationId xmlns:p14="http://schemas.microsoft.com/office/powerpoint/2010/main" val="125241945"/>
+      </p:ext>
+    </p:extLst>
+  </p:cSld>
+  <p:clrMapOvr>
+    <a:masterClrMapping/>
+  </p:clrMapOvr>
+</p:sld>
+</file>
+
+<file path=ppt/slides/slide18.xml><?xml version="1.0" encoding="utf-8"?>
+<p:sld xmlns:a="http://schemas.openxmlformats.org/drawingml/2006/main" xmlns:r="http://schemas.openxmlformats.org/officeDocument/2006/relationships" xmlns:p="http://schemas.openxmlformats.org/presentationml/2006/main">
+  <p:cSld>
+    <p:spTree>
+      <p:nvGrpSpPr>
+        <p:cNvPr id="1" name=""/>
+        <p:cNvGrpSpPr/>
+        <p:nvPr/>
+      </p:nvGrpSpPr>
+      <p:grpSpPr>
+        <a:xfrm>
+          <a:off x="0" y="0"/>
+          <a:ext cx="0" cy="0"/>
+          <a:chOff x="0" y="0"/>
+          <a:chExt cx="0" cy="0"/>
+        </a:xfrm>
+      </p:grpSpPr>
+      <p:sp>
+        <p:nvSpPr>
+          <p:cNvPr id="2" name="Titel 1"/>
+          <p:cNvSpPr>
+            <a:spLocks noGrp="1"/>
+          </p:cNvSpPr>
+          <p:nvPr>
+            <p:ph type="title"/>
+          </p:nvPr>
+        </p:nvSpPr>
+        <p:spPr/>
+        <p:txBody>
+          <a:bodyPr/>
+          <a:lstStyle/>
+          <a:p>
+            <a:r>
+              <a:rPr lang="de-DE" dirty="0"/>
+              <a:t>4 Bit pro Pixel</a:t>
+            </a:r>
+          </a:p>
+        </p:txBody>
+      </p:sp>
+      <p:pic>
+        <p:nvPicPr>
+          <p:cNvPr id="9" name="Grafik 8">
+            <a:extLst>
+              <a:ext uri="{FF2B5EF4-FFF2-40B4-BE49-F238E27FC236}">
+                <a16:creationId xmlns:a16="http://schemas.microsoft.com/office/drawing/2014/main" id="{FF955252-EF42-9849-8D62-41A51BA973D2}"/>
+              </a:ext>
+            </a:extLst>
+          </p:cNvPr>
+          <p:cNvPicPr>
+            <a:picLocks noChangeAspect="1"/>
+          </p:cNvPicPr>
+          <p:nvPr/>
+        </p:nvPicPr>
+        <p:blipFill>
+          <a:blip r:embed="rId3"/>
+          <a:stretch>
+            <a:fillRect/>
+          </a:stretch>
+        </p:blipFill>
+        <p:spPr>
+          <a:xfrm>
+            <a:off x="1401661" y="1537481"/>
+            <a:ext cx="6340676" cy="4755507"/>
+          </a:xfrm>
+          <a:prstGeom prst="rect">
+            <a:avLst/>
+          </a:prstGeom>
+        </p:spPr>
+      </p:pic>
+    </p:spTree>
+    <p:extLst>
+      <p:ext uri="{BB962C8B-B14F-4D97-AF65-F5344CB8AC3E}">
+        <p14:creationId xmlns:p14="http://schemas.microsoft.com/office/powerpoint/2010/main" val="3666371766"/>
+      </p:ext>
+    </p:extLst>
+  </p:cSld>
+  <p:clrMapOvr>
+    <a:masterClrMapping/>
+  </p:clrMapOvr>
+</p:sld>
+</file>
+
+<file path=ppt/slides/slide19.xml><?xml version="1.0" encoding="utf-8"?>
+<p:sld xmlns:a="http://schemas.openxmlformats.org/drawingml/2006/main" xmlns:r="http://schemas.openxmlformats.org/officeDocument/2006/relationships" xmlns:p="http://schemas.openxmlformats.org/presentationml/2006/main">
+  <p:cSld>
+    <p:spTree>
+      <p:nvGrpSpPr>
+        <p:cNvPr id="1" name=""/>
+        <p:cNvGrpSpPr/>
+        <p:nvPr/>
+      </p:nvGrpSpPr>
+      <p:grpSpPr>
+        <a:xfrm>
+          <a:off x="0" y="0"/>
+          <a:ext cx="0" cy="0"/>
+          <a:chOff x="0" y="0"/>
+          <a:chExt cx="0" cy="0"/>
+        </a:xfrm>
+      </p:grpSpPr>
+      <p:sp>
+        <p:nvSpPr>
+          <p:cNvPr id="2" name="Titel 1"/>
+          <p:cNvSpPr>
+            <a:spLocks noGrp="1"/>
+          </p:cNvSpPr>
+          <p:nvPr>
+            <p:ph type="title"/>
+          </p:nvPr>
+        </p:nvSpPr>
+        <p:spPr/>
+        <p:txBody>
+          <a:bodyPr/>
+          <a:lstStyle/>
+          <a:p>
+            <a:r>
+              <a:rPr lang="de-DE" dirty="0"/>
+              <a:t>8 Bit pro Pixel</a:t>
+            </a:r>
+          </a:p>
+        </p:txBody>
+      </p:sp>
+      <p:pic>
+        <p:nvPicPr>
+          <p:cNvPr id="9" name="Grafik 8">
+            <a:extLst>
+              <a:ext uri="{FF2B5EF4-FFF2-40B4-BE49-F238E27FC236}">
+                <a16:creationId xmlns:a16="http://schemas.microsoft.com/office/drawing/2014/main" id="{FF955252-EF42-9849-8D62-41A51BA973D2}"/>
+              </a:ext>
+            </a:extLst>
+          </p:cNvPr>
+          <p:cNvPicPr>
+            <a:picLocks noChangeAspect="1"/>
+          </p:cNvPicPr>
+          <p:nvPr/>
+        </p:nvPicPr>
+        <p:blipFill>
+          <a:blip r:embed="rId2"/>
+          <a:stretch>
+            <a:fillRect/>
+          </a:stretch>
+        </p:blipFill>
+        <p:spPr>
+          <a:xfrm>
+            <a:off x="1401661" y="1350079"/>
+            <a:ext cx="6340676" cy="4755507"/>
+          </a:xfrm>
+          <a:prstGeom prst="rect">
+            <a:avLst/>
+          </a:prstGeom>
+        </p:spPr>
+      </p:pic>
+    </p:spTree>
+    <p:extLst>
+      <p:ext uri="{BB962C8B-B14F-4D97-AF65-F5344CB8AC3E}">
+        <p14:creationId xmlns:p14="http://schemas.microsoft.com/office/powerpoint/2010/main" val="2781601658"/>
       </p:ext>
     </p:extLst>
   </p:cSld>
@@ -4105,6 +5793,504 @@
 </p:sld>
 </file>
 
+<file path=ppt/slides/slide20.xml><?xml version="1.0" encoding="utf-8"?>
+<p:sld xmlns:a="http://schemas.openxmlformats.org/drawingml/2006/main" xmlns:r="http://schemas.openxmlformats.org/officeDocument/2006/relationships" xmlns:p="http://schemas.openxmlformats.org/presentationml/2006/main">
+  <p:cSld>
+    <p:spTree>
+      <p:nvGrpSpPr>
+        <p:cNvPr id="1" name=""/>
+        <p:cNvGrpSpPr/>
+        <p:nvPr/>
+      </p:nvGrpSpPr>
+      <p:grpSpPr>
+        <a:xfrm>
+          <a:off x="0" y="0"/>
+          <a:ext cx="0" cy="0"/>
+          <a:chOff x="0" y="0"/>
+          <a:chExt cx="0" cy="0"/>
+        </a:xfrm>
+      </p:grpSpPr>
+      <p:sp>
+        <p:nvSpPr>
+          <p:cNvPr id="2" name="Titel 1"/>
+          <p:cNvSpPr>
+            <a:spLocks noGrp="1"/>
+          </p:cNvSpPr>
+          <p:nvPr>
+            <p:ph type="title"/>
+          </p:nvPr>
+        </p:nvSpPr>
+        <p:spPr/>
+        <p:txBody>
+          <a:bodyPr/>
+          <a:lstStyle/>
+          <a:p>
+            <a:r>
+              <a:rPr lang="de-DE" dirty="0"/>
+              <a:t>8 Bit pro Pixel</a:t>
+            </a:r>
+          </a:p>
+        </p:txBody>
+      </p:sp>
+      <p:pic>
+        <p:nvPicPr>
+          <p:cNvPr id="9" name="Grafik 8">
+            <a:extLst>
+              <a:ext uri="{FF2B5EF4-FFF2-40B4-BE49-F238E27FC236}">
+                <a16:creationId xmlns:a16="http://schemas.microsoft.com/office/drawing/2014/main" id="{FF955252-EF42-9849-8D62-41A51BA973D2}"/>
+              </a:ext>
+            </a:extLst>
+          </p:cNvPr>
+          <p:cNvPicPr>
+            <a:picLocks noChangeAspect="1"/>
+          </p:cNvPicPr>
+          <p:nvPr/>
+        </p:nvPicPr>
+        <p:blipFill>
+          <a:blip r:embed="rId2"/>
+          <a:stretch>
+            <a:fillRect/>
+          </a:stretch>
+        </p:blipFill>
+        <p:spPr>
+          <a:xfrm>
+            <a:off x="1401661" y="1537481"/>
+            <a:ext cx="6340676" cy="4755507"/>
+          </a:xfrm>
+          <a:prstGeom prst="rect">
+            <a:avLst/>
+          </a:prstGeom>
+        </p:spPr>
+      </p:pic>
+    </p:spTree>
+    <p:extLst>
+      <p:ext uri="{BB962C8B-B14F-4D97-AF65-F5344CB8AC3E}">
+        <p14:creationId xmlns:p14="http://schemas.microsoft.com/office/powerpoint/2010/main" val="763380868"/>
+      </p:ext>
+    </p:extLst>
+  </p:cSld>
+  <p:clrMapOvr>
+    <a:masterClrMapping/>
+  </p:clrMapOvr>
+</p:sld>
+</file>
+
+<file path=ppt/slides/slide21.xml><?xml version="1.0" encoding="utf-8"?>
+<p:sld xmlns:a="http://schemas.openxmlformats.org/drawingml/2006/main" xmlns:r="http://schemas.openxmlformats.org/officeDocument/2006/relationships" xmlns:p="http://schemas.openxmlformats.org/presentationml/2006/main" show="0">
+  <p:cSld>
+    <p:spTree>
+      <p:nvGrpSpPr>
+        <p:cNvPr id="1" name=""/>
+        <p:cNvGrpSpPr/>
+        <p:nvPr/>
+      </p:nvGrpSpPr>
+      <p:grpSpPr>
+        <a:xfrm>
+          <a:off x="0" y="0"/>
+          <a:ext cx="0" cy="0"/>
+          <a:chOff x="0" y="0"/>
+          <a:chExt cx="0" cy="0"/>
+        </a:xfrm>
+      </p:grpSpPr>
+      <p:pic>
+        <p:nvPicPr>
+          <p:cNvPr id="4" name="Grafik 3">
+            <a:extLst>
+              <a:ext uri="{FF2B5EF4-FFF2-40B4-BE49-F238E27FC236}">
+                <a16:creationId xmlns:a16="http://schemas.microsoft.com/office/drawing/2014/main" id="{1E8855B8-B1AF-D644-8A69-21AF265EDEE5}"/>
+              </a:ext>
+            </a:extLst>
+          </p:cNvPr>
+          <p:cNvPicPr>
+            <a:picLocks noChangeAspect="1"/>
+          </p:cNvPicPr>
+          <p:nvPr/>
+        </p:nvPicPr>
+        <p:blipFill>
+          <a:blip r:embed="rId3"/>
+          <a:stretch>
+            <a:fillRect/>
+          </a:stretch>
+        </p:blipFill>
+        <p:spPr>
+          <a:xfrm>
+            <a:off x="190498" y="423498"/>
+            <a:ext cx="4092003" cy="3069002"/>
+          </a:xfrm>
+          <a:prstGeom prst="rect">
+            <a:avLst/>
+          </a:prstGeom>
+        </p:spPr>
+      </p:pic>
+      <p:pic>
+        <p:nvPicPr>
+          <p:cNvPr id="9" name="Grafik 8">
+            <a:extLst>
+              <a:ext uri="{FF2B5EF4-FFF2-40B4-BE49-F238E27FC236}">
+                <a16:creationId xmlns:a16="http://schemas.microsoft.com/office/drawing/2014/main" id="{1CAFEBE3-6556-C444-85FE-95AA07C7ECF0}"/>
+              </a:ext>
+            </a:extLst>
+          </p:cNvPr>
+          <p:cNvPicPr>
+            <a:picLocks noChangeAspect="1"/>
+          </p:cNvPicPr>
+          <p:nvPr/>
+        </p:nvPicPr>
+        <p:blipFill>
+          <a:blip r:embed="rId4"/>
+          <a:stretch>
+            <a:fillRect/>
+          </a:stretch>
+        </p:blipFill>
+        <p:spPr>
+          <a:xfrm>
+            <a:off x="5051995" y="462940"/>
+            <a:ext cx="4092005" cy="3069003"/>
+          </a:xfrm>
+          <a:prstGeom prst="rect">
+            <a:avLst/>
+          </a:prstGeom>
+        </p:spPr>
+      </p:pic>
+      <p:pic>
+        <p:nvPicPr>
+          <p:cNvPr id="11" name="Grafik 10">
+            <a:extLst>
+              <a:ext uri="{FF2B5EF4-FFF2-40B4-BE49-F238E27FC236}">
+                <a16:creationId xmlns:a16="http://schemas.microsoft.com/office/drawing/2014/main" id="{26D3C1F8-EA2A-3F47-ADA3-62B2B1B843B9}"/>
+              </a:ext>
+            </a:extLst>
+          </p:cNvPr>
+          <p:cNvPicPr>
+            <a:picLocks noChangeAspect="1"/>
+          </p:cNvPicPr>
+          <p:nvPr/>
+        </p:nvPicPr>
+        <p:blipFill>
+          <a:blip r:embed="rId5"/>
+          <a:stretch>
+            <a:fillRect/>
+          </a:stretch>
+        </p:blipFill>
+        <p:spPr>
+          <a:xfrm>
+            <a:off x="190499" y="3224458"/>
+            <a:ext cx="4092003" cy="3069002"/>
+          </a:xfrm>
+          <a:prstGeom prst="rect">
+            <a:avLst/>
+          </a:prstGeom>
+        </p:spPr>
+      </p:pic>
+      <p:pic>
+        <p:nvPicPr>
+          <p:cNvPr id="13" name="Grafik 12">
+            <a:extLst>
+              <a:ext uri="{FF2B5EF4-FFF2-40B4-BE49-F238E27FC236}">
+                <a16:creationId xmlns:a16="http://schemas.microsoft.com/office/drawing/2014/main" id="{026DD1CD-688C-6247-9134-6D896B9173C9}"/>
+              </a:ext>
+            </a:extLst>
+          </p:cNvPr>
+          <p:cNvPicPr>
+            <a:picLocks noChangeAspect="1"/>
+          </p:cNvPicPr>
+          <p:nvPr/>
+        </p:nvPicPr>
+        <p:blipFill>
+          <a:blip r:embed="rId6"/>
+          <a:stretch>
+            <a:fillRect/>
+          </a:stretch>
+        </p:blipFill>
+        <p:spPr>
+          <a:xfrm>
+            <a:off x="5051996" y="3199058"/>
+            <a:ext cx="4092003" cy="3069002"/>
+          </a:xfrm>
+          <a:prstGeom prst="rect">
+            <a:avLst/>
+          </a:prstGeom>
+        </p:spPr>
+      </p:pic>
+      <p:sp>
+        <p:nvSpPr>
+          <p:cNvPr id="16" name="Textfeld 15">
+            <a:extLst>
+              <a:ext uri="{FF2B5EF4-FFF2-40B4-BE49-F238E27FC236}">
+                <a16:creationId xmlns:a16="http://schemas.microsoft.com/office/drawing/2014/main" id="{D5A7019D-731E-E64D-8631-74E77DAEB3AA}"/>
+              </a:ext>
+            </a:extLst>
+          </p:cNvPr>
+          <p:cNvSpPr txBox="1"/>
+          <p:nvPr/>
+        </p:nvSpPr>
+        <p:spPr>
+          <a:xfrm>
+            <a:off x="1931768" y="3244334"/>
+            <a:ext cx="609462" cy="369332"/>
+          </a:xfrm>
+          <a:prstGeom prst="rect">
+            <a:avLst/>
+          </a:prstGeom>
+          <a:noFill/>
+        </p:spPr>
+        <p:txBody>
+          <a:bodyPr wrap="none" rtlCol="0">
+            <a:spAutoFit/>
+          </a:bodyPr>
+          <a:lstStyle/>
+          <a:p>
+            <a:r>
+              <a:rPr lang="de-DE" dirty="0"/>
+              <a:t>1 Bit</a:t>
+            </a:r>
+          </a:p>
+        </p:txBody>
+      </p:sp>
+      <p:sp>
+        <p:nvSpPr>
+          <p:cNvPr id="17" name="Textfeld 16">
+            <a:extLst>
+              <a:ext uri="{FF2B5EF4-FFF2-40B4-BE49-F238E27FC236}">
+                <a16:creationId xmlns:a16="http://schemas.microsoft.com/office/drawing/2014/main" id="{FC5749C1-1CB7-5C42-BD32-C7B29530055C}"/>
+              </a:ext>
+            </a:extLst>
+          </p:cNvPr>
+          <p:cNvSpPr txBox="1"/>
+          <p:nvPr/>
+        </p:nvSpPr>
+        <p:spPr>
+          <a:xfrm>
+            <a:off x="6793266" y="3244334"/>
+            <a:ext cx="609462" cy="369332"/>
+          </a:xfrm>
+          <a:prstGeom prst="rect">
+            <a:avLst/>
+          </a:prstGeom>
+          <a:noFill/>
+        </p:spPr>
+        <p:txBody>
+          <a:bodyPr wrap="none" rtlCol="0">
+            <a:spAutoFit/>
+          </a:bodyPr>
+          <a:lstStyle/>
+          <a:p>
+            <a:r>
+              <a:rPr lang="de-DE" dirty="0"/>
+              <a:t>2 Bit</a:t>
+            </a:r>
+          </a:p>
+        </p:txBody>
+      </p:sp>
+      <p:sp>
+        <p:nvSpPr>
+          <p:cNvPr id="18" name="Textfeld 17">
+            <a:extLst>
+              <a:ext uri="{FF2B5EF4-FFF2-40B4-BE49-F238E27FC236}">
+                <a16:creationId xmlns:a16="http://schemas.microsoft.com/office/drawing/2014/main" id="{32628A5A-4A46-0D49-9803-3D563737D756}"/>
+              </a:ext>
+            </a:extLst>
+          </p:cNvPr>
+          <p:cNvSpPr txBox="1"/>
+          <p:nvPr/>
+        </p:nvSpPr>
+        <p:spPr>
+          <a:xfrm>
+            <a:off x="6793266" y="5950336"/>
+            <a:ext cx="609462" cy="369332"/>
+          </a:xfrm>
+          <a:prstGeom prst="rect">
+            <a:avLst/>
+          </a:prstGeom>
+          <a:noFill/>
+        </p:spPr>
+        <p:txBody>
+          <a:bodyPr wrap="none" rtlCol="0">
+            <a:spAutoFit/>
+          </a:bodyPr>
+          <a:lstStyle/>
+          <a:p>
+            <a:r>
+              <a:rPr lang="de-DE" dirty="0"/>
+              <a:t>8 Bit</a:t>
+            </a:r>
+          </a:p>
+        </p:txBody>
+      </p:sp>
+      <p:sp>
+        <p:nvSpPr>
+          <p:cNvPr id="19" name="Textfeld 18">
+            <a:extLst>
+              <a:ext uri="{FF2B5EF4-FFF2-40B4-BE49-F238E27FC236}">
+                <a16:creationId xmlns:a16="http://schemas.microsoft.com/office/drawing/2014/main" id="{209B4A01-A62B-2C43-956E-4DA76129A1A7}"/>
+              </a:ext>
+            </a:extLst>
+          </p:cNvPr>
+          <p:cNvSpPr txBox="1"/>
+          <p:nvPr/>
+        </p:nvSpPr>
+        <p:spPr>
+          <a:xfrm>
+            <a:off x="1931768" y="5944408"/>
+            <a:ext cx="609462" cy="369332"/>
+          </a:xfrm>
+          <a:prstGeom prst="rect">
+            <a:avLst/>
+          </a:prstGeom>
+          <a:noFill/>
+        </p:spPr>
+        <p:txBody>
+          <a:bodyPr wrap="none" rtlCol="0">
+            <a:spAutoFit/>
+          </a:bodyPr>
+          <a:lstStyle/>
+          <a:p>
+            <a:r>
+              <a:rPr lang="de-DE" dirty="0"/>
+              <a:t>4 Bit</a:t>
+            </a:r>
+          </a:p>
+        </p:txBody>
+      </p:sp>
+    </p:spTree>
+    <p:extLst>
+      <p:ext uri="{BB962C8B-B14F-4D97-AF65-F5344CB8AC3E}">
+        <p14:creationId xmlns:p14="http://schemas.microsoft.com/office/powerpoint/2010/main" val="1641096636"/>
+      </p:ext>
+    </p:extLst>
+  </p:cSld>
+  <p:clrMapOvr>
+    <a:masterClrMapping/>
+  </p:clrMapOvr>
+</p:sld>
+</file>
+
+<file path=ppt/slides/slide22.xml><?xml version="1.0" encoding="utf-8"?>
+<p:sld xmlns:a="http://schemas.openxmlformats.org/drawingml/2006/main" xmlns:r="http://schemas.openxmlformats.org/officeDocument/2006/relationships" xmlns:p="http://schemas.openxmlformats.org/presentationml/2006/main">
+  <p:cSld>
+    <p:spTree>
+      <p:nvGrpSpPr>
+        <p:cNvPr id="1" name=""/>
+        <p:cNvGrpSpPr/>
+        <p:nvPr/>
+      </p:nvGrpSpPr>
+      <p:grpSpPr>
+        <a:xfrm>
+          <a:off x="0" y="0"/>
+          <a:ext cx="0" cy="0"/>
+          <a:chOff x="0" y="0"/>
+          <a:chExt cx="0" cy="0"/>
+        </a:xfrm>
+      </p:grpSpPr>
+      <p:sp>
+        <p:nvSpPr>
+          <p:cNvPr id="2" name="Titel 1"/>
+          <p:cNvSpPr>
+            <a:spLocks noGrp="1"/>
+          </p:cNvSpPr>
+          <p:nvPr>
+            <p:ph type="title"/>
+          </p:nvPr>
+        </p:nvSpPr>
+        <p:spPr/>
+        <p:txBody>
+          <a:bodyPr/>
+          <a:lstStyle/>
+          <a:p>
+            <a:r>
+              <a:rPr lang="de-DE" dirty="0"/>
+              <a:t>Inhalt</a:t>
+            </a:r>
+          </a:p>
+        </p:txBody>
+      </p:sp>
+      <p:sp>
+        <p:nvSpPr>
+          <p:cNvPr id="3" name="Inhaltsplatzhalter 2"/>
+          <p:cNvSpPr>
+            <a:spLocks noGrp="1"/>
+          </p:cNvSpPr>
+          <p:nvPr>
+            <p:ph idx="1"/>
+          </p:nvPr>
+        </p:nvSpPr>
+        <p:spPr/>
+        <p:txBody>
+          <a:bodyPr/>
+          <a:lstStyle/>
+          <a:p>
+            <a:r>
+              <a:rPr lang="de-DE" b="1" dirty="0"/>
+              <a:t>Überblick über das Seminar</a:t>
+            </a:r>
+          </a:p>
+          <a:p>
+            <a:r>
+              <a:rPr lang="de-DE" b="1" dirty="0" err="1"/>
+              <a:t>Steganographie</a:t>
+            </a:r>
+            <a:endParaRPr lang="de-DE" b="1" dirty="0"/>
+          </a:p>
+          <a:p>
+            <a:pPr lvl="1"/>
+            <a:r>
+              <a:rPr lang="de-DE" dirty="0"/>
+              <a:t>Grundlagen/Erläuterung</a:t>
+            </a:r>
+          </a:p>
+          <a:p>
+            <a:pPr lvl="1"/>
+            <a:r>
+              <a:rPr lang="de-DE" dirty="0"/>
+              <a:t>Verstecken von Text in Bildern</a:t>
+            </a:r>
+          </a:p>
+          <a:p>
+            <a:pPr lvl="2"/>
+            <a:r>
+              <a:rPr lang="de-DE" dirty="0"/>
+              <a:t>Naiver Ansatz</a:t>
+            </a:r>
+          </a:p>
+          <a:p>
+            <a:pPr lvl="2"/>
+            <a:r>
+              <a:rPr lang="de-DE" dirty="0"/>
+              <a:t>LSB-Methodik</a:t>
+            </a:r>
+          </a:p>
+          <a:p>
+            <a:endParaRPr lang="de-DE" b="1" dirty="0"/>
+          </a:p>
+          <a:p>
+            <a:r>
+              <a:rPr lang="de-DE" b="1" dirty="0"/>
+              <a:t>Steganalyse</a:t>
+            </a:r>
+          </a:p>
+          <a:p>
+            <a:pPr lvl="1"/>
+            <a:r>
+              <a:rPr lang="de-DE"/>
+              <a:t>Grundlagen/Erläuterung</a:t>
+            </a:r>
+            <a:endParaRPr lang="de-DE" dirty="0"/>
+          </a:p>
+        </p:txBody>
+      </p:sp>
+    </p:spTree>
+    <p:extLst>
+      <p:ext uri="{BB962C8B-B14F-4D97-AF65-F5344CB8AC3E}">
+        <p14:creationId xmlns:p14="http://schemas.microsoft.com/office/powerpoint/2010/main" val="131254668"/>
+      </p:ext>
+    </p:extLst>
+  </p:cSld>
+  <p:clrMapOvr>
+    <a:masterClrMapping/>
+  </p:clrMapOvr>
+</p:sld>
+</file>
+
 <file path=ppt/slides/slide3.xml><?xml version="1.0" encoding="utf-8"?>
 <p:sld xmlns:a="http://schemas.openxmlformats.org/drawingml/2006/main" xmlns:r="http://schemas.openxmlformats.org/officeDocument/2006/relationships" xmlns:p="http://schemas.openxmlformats.org/presentationml/2006/main">
   <p:cSld>
@@ -4173,7 +6359,7 @@
             <p:ph idx="1"/>
             <p:extLst>
               <p:ext uri="{D42A27DB-BD31-4B8C-83A1-F6EECF244321}">
-                <p14:modId xmlns:p14="http://schemas.microsoft.com/office/powerpoint/2010/main" val="724812339"/>
+                <p14:modId xmlns:p14="http://schemas.microsoft.com/office/powerpoint/2010/main" val="1426171318"/>
               </p:ext>
             </p:extLst>
           </p:nvPr>
@@ -4586,7 +6772,7 @@
                             <a:schemeClr val="bg1"/>
                           </a:solidFill>
                         </a:rPr>
-                        <a:t>21</a:t>
+                        <a:t>22</a:t>
                       </a:r>
                     </a:p>
                   </a:txBody>
@@ -6009,7 +8195,7 @@
         <p:spPr>
           <a:xfrm>
             <a:off x="7394530" y="3574273"/>
-            <a:ext cx="1120820" cy="369332"/>
+            <a:ext cx="1003801" cy="369332"/>
           </a:xfrm>
           <a:prstGeom prst="rect">
             <a:avLst/>
@@ -6024,7 +8210,7 @@
           <a:p>
             <a:r>
               <a:rPr lang="de-DE" dirty="0"/>
-              <a:t>01001111</a:t>
+              <a:t>0100111</a:t>
             </a:r>
           </a:p>
         </p:txBody>
@@ -6098,7 +8284,7 @@
         </p:nvSpPr>
         <p:spPr>
           <a:xfrm>
-            <a:off x="6387055" y="2610500"/>
+            <a:off x="5581146" y="2610500"/>
             <a:ext cx="110150" cy="283779"/>
           </a:xfrm>
           <a:prstGeom prst="rect">
@@ -6266,8 +8452,8 @@
         </p:nvCxnSpPr>
         <p:spPr>
           <a:xfrm rot="5400000" flipH="1" flipV="1">
-            <a:off x="6585351" y="3325102"/>
-            <a:ext cx="751086" cy="1988092"/>
+            <a:off x="6556096" y="3354357"/>
+            <a:ext cx="751086" cy="1929583"/>
           </a:xfrm>
           <a:prstGeom prst="bentConnector3">
             <a:avLst/>
@@ -6308,8 +8494,8 @@
         </p:nvCxnSpPr>
         <p:spPr>
           <a:xfrm rot="16200000" flipH="1">
-            <a:off x="7035903" y="2300505"/>
-            <a:ext cx="722769" cy="1910315"/>
+            <a:off x="6632949" y="1897551"/>
+            <a:ext cx="722769" cy="2716224"/>
           </a:xfrm>
           <a:prstGeom prst="bentConnector3">
             <a:avLst/>
@@ -6333,6 +8519,41 @@
           </a:fontRef>
         </p:style>
       </p:cxnSp>
+      <p:sp>
+        <p:nvSpPr>
+          <p:cNvPr id="3" name="Textfeld 2">
+            <a:extLst>
+              <a:ext uri="{FF2B5EF4-FFF2-40B4-BE49-F238E27FC236}">
+                <a16:creationId xmlns:a16="http://schemas.microsoft.com/office/drawing/2014/main" id="{DAC52C1B-2996-F44F-A793-3728E4F9FB28}"/>
+              </a:ext>
+            </a:extLst>
+          </p:cNvPr>
+          <p:cNvSpPr txBox="1"/>
+          <p:nvPr/>
+        </p:nvSpPr>
+        <p:spPr>
+          <a:xfrm>
+            <a:off x="8207028" y="3574271"/>
+            <a:ext cx="301686" cy="369332"/>
+          </a:xfrm>
+          <a:prstGeom prst="rect">
+            <a:avLst/>
+          </a:prstGeom>
+          <a:noFill/>
+        </p:spPr>
+        <p:txBody>
+          <a:bodyPr wrap="none" rtlCol="0">
+            <a:spAutoFit/>
+          </a:bodyPr>
+          <a:lstStyle/>
+          <a:p>
+            <a:r>
+              <a:rPr lang="de-DE" dirty="0"/>
+              <a:t>0</a:t>
+            </a:r>
+          </a:p>
+        </p:txBody>
+      </p:sp>
     </p:spTree>
     <p:extLst>
       <p:ext uri="{BB962C8B-B14F-4D97-AF65-F5344CB8AC3E}">
@@ -6845,7 +9066,7 @@
                                           </p:stCondLst>
                                         </p:cTn>
                                         <p:tgtEl>
-                                          <p:spTgt spid="44"/>
+                                          <p:spTgt spid="46"/>
                                         </p:tgtEl>
                                         <p:attrNameLst>
                                           <p:attrName>style.visibility</p:attrName>
@@ -6859,7 +9080,7 @@
                                 </p:cTn>
                               </p:par>
                               <p:par>
-                                <p:cTn id="45" presetID="1" presetClass="entr" presetSubtype="0" fill="hold" grpId="1" nodeType="withEffect">
+                                <p:cTn id="45" presetID="1" presetClass="entr" presetSubtype="0" fill="hold" grpId="0" nodeType="withEffect">
                                   <p:stCondLst>
                                     <p:cond delay="0"/>
                                   </p:stCondLst>
@@ -6872,7 +9093,7 @@
                                           </p:stCondLst>
                                         </p:cTn>
                                         <p:tgtEl>
-                                          <p:spTgt spid="18"/>
+                                          <p:spTgt spid="47"/>
                                         </p:tgtEl>
                                         <p:attrNameLst>
                                           <p:attrName>style.visibility</p:attrName>
@@ -6930,35 +9151,26 @@
                                   </p:childTnLst>
                                 </p:cTn>
                               </p:par>
+                            </p:childTnLst>
+                          </p:cTn>
+                        </p:par>
+                      </p:childTnLst>
+                    </p:cTn>
+                  </p:par>
+                  <p:par>
+                    <p:cTn id="51" fill="hold">
+                      <p:stCondLst>
+                        <p:cond delay="indefinite"/>
+                      </p:stCondLst>
+                      <p:childTnLst>
+                        <p:par>
+                          <p:cTn id="52" fill="hold">
+                            <p:stCondLst>
+                              <p:cond delay="0"/>
+                            </p:stCondLst>
+                            <p:childTnLst>
                               <p:par>
-                                <p:cTn id="51" presetID="1" presetClass="entr" presetSubtype="0" fill="hold" grpId="1" nodeType="withEffect">
-                                  <p:stCondLst>
-                                    <p:cond delay="0"/>
-                                  </p:stCondLst>
-                                  <p:childTnLst>
-                                    <p:set>
-                                      <p:cBhvr>
-                                        <p:cTn id="52" dur="1" fill="hold">
-                                          <p:stCondLst>
-                                            <p:cond delay="0"/>
-                                          </p:stCondLst>
-                                        </p:cTn>
-                                        <p:tgtEl>
-                                          <p:spTgt spid="44"/>
-                                        </p:tgtEl>
-                                        <p:attrNameLst>
-                                          <p:attrName>style.visibility</p:attrName>
-                                        </p:attrNameLst>
-                                      </p:cBhvr>
-                                      <p:to>
-                                        <p:strVal val="visible"/>
-                                      </p:to>
-                                    </p:set>
-                                  </p:childTnLst>
-                                </p:cTn>
-                              </p:par>
-                              <p:par>
-                                <p:cTn id="53" presetID="1" presetClass="entr" presetSubtype="0" fill="hold" nodeType="withEffect">
+                                <p:cTn id="53" presetID="1" presetClass="entr" presetSubtype="0" fill="hold" grpId="0" nodeType="clickEffect">
                                   <p:stCondLst>
                                     <p:cond delay="0"/>
                                   </p:stCondLst>
@@ -6971,7 +9183,7 @@
                                           </p:stCondLst>
                                         </p:cTn>
                                         <p:tgtEl>
-                                          <p:spTgt spid="53"/>
+                                          <p:spTgt spid="40"/>
                                         </p:tgtEl>
                                         <p:attrNameLst>
                                           <p:attrName>style.visibility</p:attrName>
@@ -7011,21 +9223,84 @@
                                   </p:childTnLst>
                                 </p:cTn>
                               </p:par>
+                            </p:childTnLst>
+                          </p:cTn>
+                        </p:par>
+                      </p:childTnLst>
+                    </p:cTn>
+                  </p:par>
+                  <p:par>
+                    <p:cTn id="57" fill="hold">
+                      <p:stCondLst>
+                        <p:cond delay="indefinite"/>
+                      </p:stCondLst>
+                      <p:childTnLst>
+                        <p:par>
+                          <p:cTn id="58" fill="hold">
+                            <p:stCondLst>
+                              <p:cond delay="0"/>
+                            </p:stCondLst>
+                            <p:childTnLst>
                               <p:par>
-                                <p:cTn id="57" presetID="1" presetClass="entr" presetSubtype="0" fill="hold" grpId="0" nodeType="withEffect">
+                                <p:cTn id="59" presetID="1" presetClass="entr" presetSubtype="0" fill="hold" grpId="0" nodeType="clickEffect">
                                   <p:stCondLst>
                                     <p:cond delay="0"/>
                                   </p:stCondLst>
                                   <p:childTnLst>
                                     <p:set>
                                       <p:cBhvr>
-                                        <p:cTn id="58" dur="1" fill="hold">
+                                        <p:cTn id="60" dur="1" fill="hold">
                                           <p:stCondLst>
                                             <p:cond delay="0"/>
                                           </p:stCondLst>
                                         </p:cTn>
                                         <p:tgtEl>
-                                          <p:spTgt spid="40"/>
+                                          <p:spTgt spid="44"/>
+                                        </p:tgtEl>
+                                        <p:attrNameLst>
+                                          <p:attrName>style.visibility</p:attrName>
+                                        </p:attrNameLst>
+                                      </p:cBhvr>
+                                      <p:to>
+                                        <p:strVal val="visible"/>
+                                      </p:to>
+                                    </p:set>
+                                  </p:childTnLst>
+                                </p:cTn>
+                              </p:par>
+                            </p:childTnLst>
+                          </p:cTn>
+                        </p:par>
+                      </p:childTnLst>
+                    </p:cTn>
+                  </p:par>
+                  <p:par>
+                    <p:cTn id="61" fill="hold">
+                      <p:stCondLst>
+                        <p:cond delay="indefinite"/>
+                      </p:stCondLst>
+                      <p:childTnLst>
+                        <p:par>
+                          <p:cTn id="62" fill="hold">
+                            <p:stCondLst>
+                              <p:cond delay="0"/>
+                            </p:stCondLst>
+                            <p:childTnLst>
+                              <p:par>
+                                <p:cTn id="63" presetID="1" presetClass="entr" presetSubtype="0" fill="hold" grpId="0" nodeType="clickEffect">
+                                  <p:stCondLst>
+                                    <p:cond delay="0"/>
+                                  </p:stCondLst>
+                                  <p:childTnLst>
+                                    <p:set>
+                                      <p:cBhvr>
+                                        <p:cTn id="64" dur="1" fill="hold">
+                                          <p:stCondLst>
+                                            <p:cond delay="0"/>
+                                          </p:stCondLst>
+                                        </p:cTn>
+                                        <p:tgtEl>
+                                          <p:spTgt spid="3"/>
                                         </p:tgtEl>
                                         <p:attrNameLst>
                                           <p:attrName>style.visibility</p:attrName>
@@ -7039,47 +9314,20 @@
                                 </p:cTn>
                               </p:par>
                               <p:par>
-                                <p:cTn id="59" presetID="1" presetClass="entr" presetSubtype="0" fill="hold" grpId="0" nodeType="withEffect">
+                                <p:cTn id="65" presetID="1" presetClass="entr" presetSubtype="0" fill="hold" nodeType="withEffect">
                                   <p:stCondLst>
                                     <p:cond delay="0"/>
                                   </p:stCondLst>
                                   <p:childTnLst>
                                     <p:set>
                                       <p:cBhvr>
-                                        <p:cTn id="60" dur="1" fill="hold">
+                                        <p:cTn id="66" dur="1" fill="hold">
                                           <p:stCondLst>
                                             <p:cond delay="0"/>
                                           </p:stCondLst>
                                         </p:cTn>
                                         <p:tgtEl>
-                                          <p:spTgt spid="46"/>
-                                        </p:tgtEl>
-                                        <p:attrNameLst>
-                                          <p:attrName>style.visibility</p:attrName>
-                                        </p:attrNameLst>
-                                      </p:cBhvr>
-                                      <p:to>
-                                        <p:strVal val="visible"/>
-                                      </p:to>
-                                    </p:set>
-                                  </p:childTnLst>
-                                </p:cTn>
-                              </p:par>
-                              <p:par>
-                                <p:cTn id="61" presetID="1" presetClass="entr" presetSubtype="0" fill="hold" grpId="0" nodeType="withEffect">
-                                  <p:stCondLst>
-                                    <p:cond delay="0"/>
-                                  </p:stCondLst>
-                                  <p:childTnLst>
-                                    <p:set>
-                                      <p:cBhvr>
-                                        <p:cTn id="62" dur="1" fill="hold">
-                                          <p:stCondLst>
-                                            <p:cond delay="0"/>
-                                          </p:stCondLst>
-                                        </p:cTn>
-                                        <p:tgtEl>
-                                          <p:spTgt spid="47"/>
+                                          <p:spTgt spid="53"/>
                                         </p:tgtEl>
                                         <p:attrNameLst>
                                           <p:attrName>style.visibility</p:attrName>
@@ -7124,7 +9372,6 @@
       <p:bldP spid="13" grpId="0" animBg="1"/>
       <p:bldP spid="16" grpId="0"/>
       <p:bldP spid="18" grpId="0"/>
-      <p:bldP spid="18" grpId="1"/>
       <p:bldP spid="19" grpId="0"/>
       <p:bldP spid="22" grpId="0" animBg="1"/>
       <p:bldP spid="24" grpId="0" animBg="1"/>
@@ -7138,9 +9385,9 @@
       <p:bldP spid="40" grpId="0"/>
       <p:bldP spid="42" grpId="0" animBg="1"/>
       <p:bldP spid="44" grpId="0" animBg="1"/>
-      <p:bldP spid="44" grpId="1" animBg="1"/>
       <p:bldP spid="46" grpId="0" animBg="1"/>
       <p:bldP spid="47" grpId="0" animBg="1"/>
+      <p:bldP spid="3" grpId="0"/>
     </p:bldLst>
   </p:timing>
 </p:sld>
@@ -7173,57 +9420,2211 @@
             <p:ph type="title"/>
           </p:nvPr>
         </p:nvSpPr>
-        <p:spPr/>
+        <p:spPr>
+          <a:xfrm>
+            <a:off x="628650" y="468677"/>
+            <a:ext cx="7886700" cy="1325563"/>
+          </a:xfrm>
+        </p:spPr>
         <p:txBody>
           <a:bodyPr/>
           <a:lstStyle/>
           <a:p>
             <a:r>
               <a:rPr lang="de-DE" dirty="0"/>
-              <a:t>Text in </a:t>
+              <a:t>Least </a:t>
             </a:r>
             <a:r>
               <a:rPr lang="de-DE" dirty="0" err="1"/>
-              <a:t>Ascii</a:t>
-            </a:r>
-            <a:endParaRPr lang="de-DE" dirty="0"/>
-          </a:p>
-        </p:txBody>
-      </p:sp>
-      <p:pic>
-        <p:nvPicPr>
-          <p:cNvPr id="23" name="Grafik 22">
+              <a:t>Significant</a:t>
+            </a:r>
+            <a:r>
+              <a:rPr lang="de-DE" dirty="0"/>
+              <a:t> Bit</a:t>
+            </a:r>
+          </a:p>
+        </p:txBody>
+      </p:sp>
+      <p:graphicFrame>
+        <p:nvGraphicFramePr>
+          <p:cNvPr id="5" name="Inhaltsplatzhalter 4">
             <a:extLst>
               <a:ext uri="{FF2B5EF4-FFF2-40B4-BE49-F238E27FC236}">
-                <a16:creationId xmlns:a16="http://schemas.microsoft.com/office/drawing/2014/main" id="{97E32352-D993-7044-85BB-3926FD99A06E}"/>
+                <a16:creationId xmlns:a16="http://schemas.microsoft.com/office/drawing/2014/main" id="{4B151A84-1B23-5D44-B458-480E5CACA641}"/>
               </a:ext>
             </a:extLst>
           </p:cNvPr>
-          <p:cNvPicPr>
-            <a:picLocks noChangeAspect="1"/>
-          </p:cNvPicPr>
+          <p:cNvGraphicFramePr>
+            <a:graphicFrameLocks noGrp="1"/>
+          </p:cNvGraphicFramePr>
+          <p:nvPr>
+            <p:ph idx="1"/>
+            <p:extLst>
+              <p:ext uri="{D42A27DB-BD31-4B8C-83A1-F6EECF244321}">
+                <p14:modId xmlns:p14="http://schemas.microsoft.com/office/powerpoint/2010/main" val="1897169122"/>
+              </p:ext>
+            </p:extLst>
+          </p:nvPr>
+        </p:nvGraphicFramePr>
+        <p:xfrm>
+          <a:off x="796182" y="3949698"/>
+          <a:ext cx="1800000" cy="1800000"/>
+        </p:xfrm>
+        <a:graphic>
+          <a:graphicData uri="http://schemas.openxmlformats.org/drawingml/2006/table">
+            <a:tbl>
+              <a:tblPr firstRow="1" bandRow="1">
+                <a:tableStyleId>{2D5ABB26-0587-4C30-8999-92F81FD0307C}</a:tableStyleId>
+              </a:tblPr>
+              <a:tblGrid>
+                <a:gridCol w="450000">
+                  <a:extLst>
+                    <a:ext uri="{9D8B030D-6E8A-4147-A177-3AD203B41FA5}">
+                      <a16:colId xmlns:a16="http://schemas.microsoft.com/office/drawing/2014/main" val="1793104185"/>
+                    </a:ext>
+                  </a:extLst>
+                </a:gridCol>
+                <a:gridCol w="450000">
+                  <a:extLst>
+                    <a:ext uri="{9D8B030D-6E8A-4147-A177-3AD203B41FA5}">
+                      <a16:colId xmlns:a16="http://schemas.microsoft.com/office/drawing/2014/main" val="2564365368"/>
+                    </a:ext>
+                  </a:extLst>
+                </a:gridCol>
+                <a:gridCol w="450000">
+                  <a:extLst>
+                    <a:ext uri="{9D8B030D-6E8A-4147-A177-3AD203B41FA5}">
+                      <a16:colId xmlns:a16="http://schemas.microsoft.com/office/drawing/2014/main" val="2895716269"/>
+                    </a:ext>
+                  </a:extLst>
+                </a:gridCol>
+                <a:gridCol w="450000">
+                  <a:extLst>
+                    <a:ext uri="{9D8B030D-6E8A-4147-A177-3AD203B41FA5}">
+                      <a16:colId xmlns:a16="http://schemas.microsoft.com/office/drawing/2014/main" val="2846545993"/>
+                    </a:ext>
+                  </a:extLst>
+                </a:gridCol>
+              </a:tblGrid>
+              <a:tr h="450000">
+                <a:tc>
+                  <a:txBody>
+                    <a:bodyPr/>
+                    <a:lstStyle/>
+                    <a:p>
+                      <a:pPr algn="ctr"/>
+                      <a:r>
+                        <a:rPr lang="de-DE" dirty="0">
+                          <a:solidFill>
+                            <a:schemeClr val="bg1"/>
+                          </a:solidFill>
+                        </a:rPr>
+                        <a:t>87</a:t>
+                      </a:r>
+                    </a:p>
+                  </a:txBody>
+                  <a:tcPr anchor="ctr">
+                    <a:lnL w="12700" cap="flat" cmpd="sng" algn="ctr">
+                      <a:solidFill>
+                        <a:schemeClr val="bg1"/>
+                      </a:solidFill>
+                      <a:prstDash val="solid"/>
+                      <a:round/>
+                      <a:headEnd type="none" w="med" len="med"/>
+                      <a:tailEnd type="none" w="med" len="med"/>
+                    </a:lnL>
+                    <a:lnR w="12700" cap="flat" cmpd="sng" algn="ctr">
+                      <a:solidFill>
+                        <a:schemeClr val="bg1"/>
+                      </a:solidFill>
+                      <a:prstDash val="solid"/>
+                      <a:round/>
+                      <a:headEnd type="none" w="med" len="med"/>
+                      <a:tailEnd type="none" w="med" len="med"/>
+                    </a:lnR>
+                    <a:lnT w="12700" cap="flat" cmpd="sng" algn="ctr">
+                      <a:solidFill>
+                        <a:schemeClr val="bg1"/>
+                      </a:solidFill>
+                      <a:prstDash val="solid"/>
+                      <a:round/>
+                      <a:headEnd type="none" w="med" len="med"/>
+                      <a:tailEnd type="none" w="med" len="med"/>
+                    </a:lnT>
+                    <a:lnB w="12700" cap="flat" cmpd="sng" algn="ctr">
+                      <a:solidFill>
+                        <a:schemeClr val="bg1"/>
+                      </a:solidFill>
+                      <a:prstDash val="solid"/>
+                      <a:round/>
+                      <a:headEnd type="none" w="med" len="med"/>
+                      <a:tailEnd type="none" w="med" len="med"/>
+                    </a:lnB>
+                    <a:solidFill>
+                      <a:schemeClr val="accent1"/>
+                    </a:solidFill>
+                  </a:tcPr>
+                </a:tc>
+                <a:tc>
+                  <a:txBody>
+                    <a:bodyPr/>
+                    <a:lstStyle/>
+                    <a:p>
+                      <a:pPr algn="ctr"/>
+                      <a:r>
+                        <a:rPr lang="de-DE" dirty="0">
+                          <a:solidFill>
+                            <a:schemeClr val="bg1"/>
+                          </a:solidFill>
+                        </a:rPr>
+                        <a:t>18</a:t>
+                      </a:r>
+                    </a:p>
+                  </a:txBody>
+                  <a:tcPr anchor="ctr">
+                    <a:lnL w="12700" cap="flat" cmpd="sng" algn="ctr">
+                      <a:solidFill>
+                        <a:schemeClr val="bg1"/>
+                      </a:solidFill>
+                      <a:prstDash val="solid"/>
+                      <a:round/>
+                      <a:headEnd type="none" w="med" len="med"/>
+                      <a:tailEnd type="none" w="med" len="med"/>
+                    </a:lnL>
+                    <a:lnR w="12700" cap="flat" cmpd="sng" algn="ctr">
+                      <a:solidFill>
+                        <a:schemeClr val="bg1"/>
+                      </a:solidFill>
+                      <a:prstDash val="solid"/>
+                      <a:round/>
+                      <a:headEnd type="none" w="med" len="med"/>
+                      <a:tailEnd type="none" w="med" len="med"/>
+                    </a:lnR>
+                    <a:lnT w="12700" cap="flat" cmpd="sng" algn="ctr">
+                      <a:solidFill>
+                        <a:schemeClr val="bg1"/>
+                      </a:solidFill>
+                      <a:prstDash val="solid"/>
+                      <a:round/>
+                      <a:headEnd type="none" w="med" len="med"/>
+                      <a:tailEnd type="none" w="med" len="med"/>
+                    </a:lnT>
+                    <a:lnB w="12700" cap="flat" cmpd="sng" algn="ctr">
+                      <a:solidFill>
+                        <a:schemeClr val="bg1"/>
+                      </a:solidFill>
+                      <a:prstDash val="solid"/>
+                      <a:round/>
+                      <a:headEnd type="none" w="med" len="med"/>
+                      <a:tailEnd type="none" w="med" len="med"/>
+                    </a:lnB>
+                    <a:solidFill>
+                      <a:schemeClr val="accent1"/>
+                    </a:solidFill>
+                  </a:tcPr>
+                </a:tc>
+                <a:tc>
+                  <a:txBody>
+                    <a:bodyPr/>
+                    <a:lstStyle/>
+                    <a:p>
+                      <a:pPr algn="ctr"/>
+                      <a:r>
+                        <a:rPr lang="de-DE" dirty="0">
+                          <a:solidFill>
+                            <a:schemeClr val="bg1"/>
+                          </a:solidFill>
+                        </a:rPr>
+                        <a:t>55</a:t>
+                      </a:r>
+                    </a:p>
+                  </a:txBody>
+                  <a:tcPr anchor="ctr">
+                    <a:lnL w="12700" cap="flat" cmpd="sng" algn="ctr">
+                      <a:solidFill>
+                        <a:schemeClr val="bg1"/>
+                      </a:solidFill>
+                      <a:prstDash val="solid"/>
+                      <a:round/>
+                      <a:headEnd type="none" w="med" len="med"/>
+                      <a:tailEnd type="none" w="med" len="med"/>
+                    </a:lnL>
+                    <a:lnR w="12700" cap="flat" cmpd="sng" algn="ctr">
+                      <a:solidFill>
+                        <a:schemeClr val="bg1"/>
+                      </a:solidFill>
+                      <a:prstDash val="solid"/>
+                      <a:round/>
+                      <a:headEnd type="none" w="med" len="med"/>
+                      <a:tailEnd type="none" w="med" len="med"/>
+                    </a:lnR>
+                    <a:lnT w="12700" cap="flat" cmpd="sng" algn="ctr">
+                      <a:solidFill>
+                        <a:schemeClr val="bg1"/>
+                      </a:solidFill>
+                      <a:prstDash val="solid"/>
+                      <a:round/>
+                      <a:headEnd type="none" w="med" len="med"/>
+                      <a:tailEnd type="none" w="med" len="med"/>
+                    </a:lnT>
+                    <a:lnB w="12700" cap="flat" cmpd="sng" algn="ctr">
+                      <a:solidFill>
+                        <a:schemeClr val="bg1"/>
+                      </a:solidFill>
+                      <a:prstDash val="solid"/>
+                      <a:round/>
+                      <a:headEnd type="none" w="med" len="med"/>
+                      <a:tailEnd type="none" w="med" len="med"/>
+                    </a:lnB>
+                    <a:solidFill>
+                      <a:schemeClr val="accent1"/>
+                    </a:solidFill>
+                  </a:tcPr>
+                </a:tc>
+                <a:tc>
+                  <a:txBody>
+                    <a:bodyPr/>
+                    <a:lstStyle/>
+                    <a:p>
+                      <a:pPr algn="ctr"/>
+                      <a:r>
+                        <a:rPr lang="de-DE" dirty="0">
+                          <a:solidFill>
+                            <a:schemeClr val="bg1"/>
+                          </a:solidFill>
+                        </a:rPr>
+                        <a:t>32</a:t>
+                      </a:r>
+                    </a:p>
+                  </a:txBody>
+                  <a:tcPr anchor="ctr">
+                    <a:lnL w="12700" cap="flat" cmpd="sng" algn="ctr">
+                      <a:solidFill>
+                        <a:schemeClr val="bg1"/>
+                      </a:solidFill>
+                      <a:prstDash val="solid"/>
+                      <a:round/>
+                      <a:headEnd type="none" w="med" len="med"/>
+                      <a:tailEnd type="none" w="med" len="med"/>
+                    </a:lnL>
+                    <a:lnR w="12700" cap="flat" cmpd="sng" algn="ctr">
+                      <a:solidFill>
+                        <a:schemeClr val="bg1"/>
+                      </a:solidFill>
+                      <a:prstDash val="solid"/>
+                      <a:round/>
+                      <a:headEnd type="none" w="med" len="med"/>
+                      <a:tailEnd type="none" w="med" len="med"/>
+                    </a:lnR>
+                    <a:lnT w="12700" cap="flat" cmpd="sng" algn="ctr">
+                      <a:solidFill>
+                        <a:schemeClr val="bg1"/>
+                      </a:solidFill>
+                      <a:prstDash val="solid"/>
+                      <a:round/>
+                      <a:headEnd type="none" w="med" len="med"/>
+                      <a:tailEnd type="none" w="med" len="med"/>
+                    </a:lnT>
+                    <a:lnB w="12700" cap="flat" cmpd="sng" algn="ctr">
+                      <a:solidFill>
+                        <a:schemeClr val="bg1"/>
+                      </a:solidFill>
+                      <a:prstDash val="solid"/>
+                      <a:round/>
+                      <a:headEnd type="none" w="med" len="med"/>
+                      <a:tailEnd type="none" w="med" len="med"/>
+                    </a:lnB>
+                    <a:solidFill>
+                      <a:schemeClr val="accent1"/>
+                    </a:solidFill>
+                  </a:tcPr>
+                </a:tc>
+                <a:extLst>
+                  <a:ext uri="{0D108BD9-81ED-4DB2-BD59-A6C34878D82A}">
+                    <a16:rowId xmlns:a16="http://schemas.microsoft.com/office/drawing/2014/main" val="645863001"/>
+                  </a:ext>
+                </a:extLst>
+              </a:tr>
+              <a:tr h="450000">
+                <a:tc>
+                  <a:txBody>
+                    <a:bodyPr/>
+                    <a:lstStyle/>
+                    <a:p>
+                      <a:pPr algn="ctr"/>
+                      <a:r>
+                        <a:rPr lang="de-DE" dirty="0">
+                          <a:solidFill>
+                            <a:schemeClr val="bg1"/>
+                          </a:solidFill>
+                        </a:rPr>
+                        <a:t>56</a:t>
+                      </a:r>
+                    </a:p>
+                  </a:txBody>
+                  <a:tcPr anchor="ctr">
+                    <a:lnL w="12700" cap="flat" cmpd="sng" algn="ctr">
+                      <a:solidFill>
+                        <a:schemeClr val="bg1"/>
+                      </a:solidFill>
+                      <a:prstDash val="solid"/>
+                      <a:round/>
+                      <a:headEnd type="none" w="med" len="med"/>
+                      <a:tailEnd type="none" w="med" len="med"/>
+                    </a:lnL>
+                    <a:lnR w="12700" cap="flat" cmpd="sng" algn="ctr">
+                      <a:solidFill>
+                        <a:schemeClr val="bg1"/>
+                      </a:solidFill>
+                      <a:prstDash val="solid"/>
+                      <a:round/>
+                      <a:headEnd type="none" w="med" len="med"/>
+                      <a:tailEnd type="none" w="med" len="med"/>
+                    </a:lnR>
+                    <a:lnT w="12700" cap="flat" cmpd="sng" algn="ctr">
+                      <a:solidFill>
+                        <a:schemeClr val="bg1"/>
+                      </a:solidFill>
+                      <a:prstDash val="solid"/>
+                      <a:round/>
+                      <a:headEnd type="none" w="med" len="med"/>
+                      <a:tailEnd type="none" w="med" len="med"/>
+                    </a:lnT>
+                    <a:lnB w="12700" cap="flat" cmpd="sng" algn="ctr">
+                      <a:solidFill>
+                        <a:schemeClr val="bg1"/>
+                      </a:solidFill>
+                      <a:prstDash val="solid"/>
+                      <a:round/>
+                      <a:headEnd type="none" w="med" len="med"/>
+                      <a:tailEnd type="none" w="med" len="med"/>
+                    </a:lnB>
+                    <a:solidFill>
+                      <a:schemeClr val="accent1"/>
+                    </a:solidFill>
+                  </a:tcPr>
+                </a:tc>
+                <a:tc>
+                  <a:txBody>
+                    <a:bodyPr/>
+                    <a:lstStyle/>
+                    <a:p>
+                      <a:pPr algn="ctr"/>
+                      <a:r>
+                        <a:rPr lang="de-DE" dirty="0">
+                          <a:solidFill>
+                            <a:schemeClr val="bg1"/>
+                          </a:solidFill>
+                        </a:rPr>
+                        <a:t>78</a:t>
+                      </a:r>
+                    </a:p>
+                  </a:txBody>
+                  <a:tcPr anchor="ctr">
+                    <a:lnL w="12700" cap="flat" cmpd="sng" algn="ctr">
+                      <a:solidFill>
+                        <a:schemeClr val="bg1"/>
+                      </a:solidFill>
+                      <a:prstDash val="solid"/>
+                      <a:round/>
+                      <a:headEnd type="none" w="med" len="med"/>
+                      <a:tailEnd type="none" w="med" len="med"/>
+                    </a:lnL>
+                    <a:lnR w="12700" cap="flat" cmpd="sng" algn="ctr">
+                      <a:solidFill>
+                        <a:schemeClr val="bg1"/>
+                      </a:solidFill>
+                      <a:prstDash val="solid"/>
+                      <a:round/>
+                      <a:headEnd type="none" w="med" len="med"/>
+                      <a:tailEnd type="none" w="med" len="med"/>
+                    </a:lnR>
+                    <a:lnT w="12700" cap="flat" cmpd="sng" algn="ctr">
+                      <a:solidFill>
+                        <a:schemeClr val="bg1"/>
+                      </a:solidFill>
+                      <a:prstDash val="solid"/>
+                      <a:round/>
+                      <a:headEnd type="none" w="med" len="med"/>
+                      <a:tailEnd type="none" w="med" len="med"/>
+                    </a:lnT>
+                    <a:lnB w="12700" cap="flat" cmpd="sng" algn="ctr">
+                      <a:solidFill>
+                        <a:schemeClr val="bg1"/>
+                      </a:solidFill>
+                      <a:prstDash val="solid"/>
+                      <a:round/>
+                      <a:headEnd type="none" w="med" len="med"/>
+                      <a:tailEnd type="none" w="med" len="med"/>
+                    </a:lnB>
+                    <a:solidFill>
+                      <a:schemeClr val="accent1"/>
+                    </a:solidFill>
+                  </a:tcPr>
+                </a:tc>
+                <a:tc>
+                  <a:txBody>
+                    <a:bodyPr/>
+                    <a:lstStyle/>
+                    <a:p>
+                      <a:pPr algn="ctr"/>
+                      <a:r>
+                        <a:rPr lang="de-DE" dirty="0">
+                          <a:solidFill>
+                            <a:schemeClr val="bg1"/>
+                          </a:solidFill>
+                        </a:rPr>
+                        <a:t>22</a:t>
+                      </a:r>
+                    </a:p>
+                  </a:txBody>
+                  <a:tcPr anchor="ctr">
+                    <a:lnL w="12700" cap="flat" cmpd="sng" algn="ctr">
+                      <a:solidFill>
+                        <a:schemeClr val="bg1"/>
+                      </a:solidFill>
+                      <a:prstDash val="solid"/>
+                      <a:round/>
+                      <a:headEnd type="none" w="med" len="med"/>
+                      <a:tailEnd type="none" w="med" len="med"/>
+                    </a:lnL>
+                    <a:lnR w="12700" cap="flat" cmpd="sng" algn="ctr">
+                      <a:solidFill>
+                        <a:schemeClr val="bg1"/>
+                      </a:solidFill>
+                      <a:prstDash val="solid"/>
+                      <a:round/>
+                      <a:headEnd type="none" w="med" len="med"/>
+                      <a:tailEnd type="none" w="med" len="med"/>
+                    </a:lnR>
+                    <a:lnT w="12700" cap="flat" cmpd="sng" algn="ctr">
+                      <a:solidFill>
+                        <a:schemeClr val="bg1"/>
+                      </a:solidFill>
+                      <a:prstDash val="solid"/>
+                      <a:round/>
+                      <a:headEnd type="none" w="med" len="med"/>
+                      <a:tailEnd type="none" w="med" len="med"/>
+                    </a:lnT>
+                    <a:lnB w="12700" cap="flat" cmpd="sng" algn="ctr">
+                      <a:solidFill>
+                        <a:schemeClr val="bg1"/>
+                      </a:solidFill>
+                      <a:prstDash val="solid"/>
+                      <a:round/>
+                      <a:headEnd type="none" w="med" len="med"/>
+                      <a:tailEnd type="none" w="med" len="med"/>
+                    </a:lnB>
+                    <a:solidFill>
+                      <a:schemeClr val="accent1"/>
+                    </a:solidFill>
+                  </a:tcPr>
+                </a:tc>
+                <a:tc>
+                  <a:txBody>
+                    <a:bodyPr/>
+                    <a:lstStyle/>
+                    <a:p>
+                      <a:pPr algn="ctr"/>
+                      <a:r>
+                        <a:rPr lang="de-DE" dirty="0">
+                          <a:solidFill>
+                            <a:schemeClr val="bg1"/>
+                          </a:solidFill>
+                        </a:rPr>
+                        <a:t>156</a:t>
+                      </a:r>
+                    </a:p>
+                  </a:txBody>
+                  <a:tcPr anchor="ctr">
+                    <a:lnL w="12700" cap="flat" cmpd="sng" algn="ctr">
+                      <a:solidFill>
+                        <a:schemeClr val="bg1"/>
+                      </a:solidFill>
+                      <a:prstDash val="solid"/>
+                      <a:round/>
+                      <a:headEnd type="none" w="med" len="med"/>
+                      <a:tailEnd type="none" w="med" len="med"/>
+                    </a:lnL>
+                    <a:lnR w="12700" cap="flat" cmpd="sng" algn="ctr">
+                      <a:solidFill>
+                        <a:schemeClr val="bg1"/>
+                      </a:solidFill>
+                      <a:prstDash val="solid"/>
+                      <a:round/>
+                      <a:headEnd type="none" w="med" len="med"/>
+                      <a:tailEnd type="none" w="med" len="med"/>
+                    </a:lnR>
+                    <a:lnT w="12700" cap="flat" cmpd="sng" algn="ctr">
+                      <a:solidFill>
+                        <a:schemeClr val="bg1"/>
+                      </a:solidFill>
+                      <a:prstDash val="solid"/>
+                      <a:round/>
+                      <a:headEnd type="none" w="med" len="med"/>
+                      <a:tailEnd type="none" w="med" len="med"/>
+                    </a:lnT>
+                    <a:lnB w="12700" cap="flat" cmpd="sng" algn="ctr">
+                      <a:solidFill>
+                        <a:schemeClr val="bg1"/>
+                      </a:solidFill>
+                      <a:prstDash val="solid"/>
+                      <a:round/>
+                      <a:headEnd type="none" w="med" len="med"/>
+                      <a:tailEnd type="none" w="med" len="med"/>
+                    </a:lnB>
+                    <a:solidFill>
+                      <a:schemeClr val="accent1"/>
+                    </a:solidFill>
+                  </a:tcPr>
+                </a:tc>
+                <a:extLst>
+                  <a:ext uri="{0D108BD9-81ED-4DB2-BD59-A6C34878D82A}">
+                    <a16:rowId xmlns:a16="http://schemas.microsoft.com/office/drawing/2014/main" val="3661175127"/>
+                  </a:ext>
+                </a:extLst>
+              </a:tr>
+              <a:tr h="450000">
+                <a:tc>
+                  <a:txBody>
+                    <a:bodyPr/>
+                    <a:lstStyle/>
+                    <a:p>
+                      <a:pPr algn="ctr"/>
+                      <a:r>
+                        <a:rPr lang="de-DE" dirty="0">
+                          <a:solidFill>
+                            <a:schemeClr val="bg1"/>
+                          </a:solidFill>
+                        </a:rPr>
+                        <a:t>201</a:t>
+                      </a:r>
+                    </a:p>
+                  </a:txBody>
+                  <a:tcPr anchor="ctr">
+                    <a:lnL w="12700" cap="flat" cmpd="sng" algn="ctr">
+                      <a:solidFill>
+                        <a:schemeClr val="bg1"/>
+                      </a:solidFill>
+                      <a:prstDash val="solid"/>
+                      <a:round/>
+                      <a:headEnd type="none" w="med" len="med"/>
+                      <a:tailEnd type="none" w="med" len="med"/>
+                    </a:lnL>
+                    <a:lnR w="12700" cap="flat" cmpd="sng" algn="ctr">
+                      <a:solidFill>
+                        <a:schemeClr val="bg1"/>
+                      </a:solidFill>
+                      <a:prstDash val="solid"/>
+                      <a:round/>
+                      <a:headEnd type="none" w="med" len="med"/>
+                      <a:tailEnd type="none" w="med" len="med"/>
+                    </a:lnR>
+                    <a:lnT w="12700" cap="flat" cmpd="sng" algn="ctr">
+                      <a:solidFill>
+                        <a:schemeClr val="bg1"/>
+                      </a:solidFill>
+                      <a:prstDash val="solid"/>
+                      <a:round/>
+                      <a:headEnd type="none" w="med" len="med"/>
+                      <a:tailEnd type="none" w="med" len="med"/>
+                    </a:lnT>
+                    <a:lnB w="12700" cap="flat" cmpd="sng" algn="ctr">
+                      <a:solidFill>
+                        <a:schemeClr val="bg1"/>
+                      </a:solidFill>
+                      <a:prstDash val="solid"/>
+                      <a:round/>
+                      <a:headEnd type="none" w="med" len="med"/>
+                      <a:tailEnd type="none" w="med" len="med"/>
+                    </a:lnB>
+                    <a:solidFill>
+                      <a:schemeClr val="accent1"/>
+                    </a:solidFill>
+                  </a:tcPr>
+                </a:tc>
+                <a:tc>
+                  <a:txBody>
+                    <a:bodyPr/>
+                    <a:lstStyle/>
+                    <a:p>
+                      <a:pPr algn="ctr"/>
+                      <a:r>
+                        <a:rPr lang="de-DE" dirty="0">
+                          <a:solidFill>
+                            <a:schemeClr val="bg1"/>
+                          </a:solidFill>
+                        </a:rPr>
+                        <a:t>44</a:t>
+                      </a:r>
+                    </a:p>
+                  </a:txBody>
+                  <a:tcPr anchor="ctr">
+                    <a:lnL w="12700" cap="flat" cmpd="sng" algn="ctr">
+                      <a:solidFill>
+                        <a:schemeClr val="bg1"/>
+                      </a:solidFill>
+                      <a:prstDash val="solid"/>
+                      <a:round/>
+                      <a:headEnd type="none" w="med" len="med"/>
+                      <a:tailEnd type="none" w="med" len="med"/>
+                    </a:lnL>
+                    <a:lnR w="12700" cap="flat" cmpd="sng" algn="ctr">
+                      <a:solidFill>
+                        <a:schemeClr val="bg1"/>
+                      </a:solidFill>
+                      <a:prstDash val="solid"/>
+                      <a:round/>
+                      <a:headEnd type="none" w="med" len="med"/>
+                      <a:tailEnd type="none" w="med" len="med"/>
+                    </a:lnR>
+                    <a:lnT w="12700" cap="flat" cmpd="sng" algn="ctr">
+                      <a:solidFill>
+                        <a:schemeClr val="bg1"/>
+                      </a:solidFill>
+                      <a:prstDash val="solid"/>
+                      <a:round/>
+                      <a:headEnd type="none" w="med" len="med"/>
+                      <a:tailEnd type="none" w="med" len="med"/>
+                    </a:lnT>
+                    <a:lnB w="12700" cap="flat" cmpd="sng" algn="ctr">
+                      <a:solidFill>
+                        <a:schemeClr val="bg1"/>
+                      </a:solidFill>
+                      <a:prstDash val="solid"/>
+                      <a:round/>
+                      <a:headEnd type="none" w="med" len="med"/>
+                      <a:tailEnd type="none" w="med" len="med"/>
+                    </a:lnB>
+                    <a:solidFill>
+                      <a:schemeClr val="accent1"/>
+                    </a:solidFill>
+                  </a:tcPr>
+                </a:tc>
+                <a:tc>
+                  <a:txBody>
+                    <a:bodyPr/>
+                    <a:lstStyle/>
+                    <a:p>
+                      <a:pPr algn="ctr"/>
+                      <a:r>
+                        <a:rPr lang="de-DE" dirty="0">
+                          <a:solidFill>
+                            <a:schemeClr val="bg1"/>
+                          </a:solidFill>
+                        </a:rPr>
+                        <a:t>96</a:t>
+                      </a:r>
+                    </a:p>
+                  </a:txBody>
+                  <a:tcPr anchor="ctr">
+                    <a:lnL w="12700" cap="flat" cmpd="sng" algn="ctr">
+                      <a:solidFill>
+                        <a:schemeClr val="bg1"/>
+                      </a:solidFill>
+                      <a:prstDash val="solid"/>
+                      <a:round/>
+                      <a:headEnd type="none" w="med" len="med"/>
+                      <a:tailEnd type="none" w="med" len="med"/>
+                    </a:lnL>
+                    <a:lnR w="12700" cap="flat" cmpd="sng" algn="ctr">
+                      <a:solidFill>
+                        <a:schemeClr val="bg1"/>
+                      </a:solidFill>
+                      <a:prstDash val="solid"/>
+                      <a:round/>
+                      <a:headEnd type="none" w="med" len="med"/>
+                      <a:tailEnd type="none" w="med" len="med"/>
+                    </a:lnR>
+                    <a:lnT w="12700" cap="flat" cmpd="sng" algn="ctr">
+                      <a:solidFill>
+                        <a:schemeClr val="bg1"/>
+                      </a:solidFill>
+                      <a:prstDash val="solid"/>
+                      <a:round/>
+                      <a:headEnd type="none" w="med" len="med"/>
+                      <a:tailEnd type="none" w="med" len="med"/>
+                    </a:lnT>
+                    <a:lnB w="12700" cap="flat" cmpd="sng" algn="ctr">
+                      <a:solidFill>
+                        <a:schemeClr val="bg1"/>
+                      </a:solidFill>
+                      <a:prstDash val="solid"/>
+                      <a:round/>
+                      <a:headEnd type="none" w="med" len="med"/>
+                      <a:tailEnd type="none" w="med" len="med"/>
+                    </a:lnB>
+                    <a:solidFill>
+                      <a:schemeClr val="accent1"/>
+                    </a:solidFill>
+                  </a:tcPr>
+                </a:tc>
+                <a:tc>
+                  <a:txBody>
+                    <a:bodyPr/>
+                    <a:lstStyle/>
+                    <a:p>
+                      <a:pPr algn="ctr"/>
+                      <a:r>
+                        <a:rPr lang="de-DE" dirty="0">
+                          <a:solidFill>
+                            <a:schemeClr val="bg1"/>
+                          </a:solidFill>
+                        </a:rPr>
+                        <a:t>100</a:t>
+                      </a:r>
+                    </a:p>
+                  </a:txBody>
+                  <a:tcPr anchor="ctr">
+                    <a:lnL w="12700" cap="flat" cmpd="sng" algn="ctr">
+                      <a:solidFill>
+                        <a:schemeClr val="bg1"/>
+                      </a:solidFill>
+                      <a:prstDash val="solid"/>
+                      <a:round/>
+                      <a:headEnd type="none" w="med" len="med"/>
+                      <a:tailEnd type="none" w="med" len="med"/>
+                    </a:lnL>
+                    <a:lnR w="12700" cap="flat" cmpd="sng" algn="ctr">
+                      <a:solidFill>
+                        <a:schemeClr val="bg1"/>
+                      </a:solidFill>
+                      <a:prstDash val="solid"/>
+                      <a:round/>
+                      <a:headEnd type="none" w="med" len="med"/>
+                      <a:tailEnd type="none" w="med" len="med"/>
+                    </a:lnR>
+                    <a:lnT w="12700" cap="flat" cmpd="sng" algn="ctr">
+                      <a:solidFill>
+                        <a:schemeClr val="bg1"/>
+                      </a:solidFill>
+                      <a:prstDash val="solid"/>
+                      <a:round/>
+                      <a:headEnd type="none" w="med" len="med"/>
+                      <a:tailEnd type="none" w="med" len="med"/>
+                    </a:lnT>
+                    <a:lnB w="12700" cap="flat" cmpd="sng" algn="ctr">
+                      <a:solidFill>
+                        <a:schemeClr val="bg1"/>
+                      </a:solidFill>
+                      <a:prstDash val="solid"/>
+                      <a:round/>
+                      <a:headEnd type="none" w="med" len="med"/>
+                      <a:tailEnd type="none" w="med" len="med"/>
+                    </a:lnB>
+                    <a:solidFill>
+                      <a:schemeClr val="accent1"/>
+                    </a:solidFill>
+                  </a:tcPr>
+                </a:tc>
+                <a:extLst>
+                  <a:ext uri="{0D108BD9-81ED-4DB2-BD59-A6C34878D82A}">
+                    <a16:rowId xmlns:a16="http://schemas.microsoft.com/office/drawing/2014/main" val="3927872209"/>
+                  </a:ext>
+                </a:extLst>
+              </a:tr>
+              <a:tr h="450000">
+                <a:tc>
+                  <a:txBody>
+                    <a:bodyPr/>
+                    <a:lstStyle/>
+                    <a:p>
+                      <a:pPr algn="ctr"/>
+                      <a:r>
+                        <a:rPr lang="de-DE" dirty="0">
+                          <a:solidFill>
+                            <a:schemeClr val="bg1"/>
+                          </a:solidFill>
+                        </a:rPr>
+                        <a:t>133</a:t>
+                      </a:r>
+                    </a:p>
+                  </a:txBody>
+                  <a:tcPr anchor="ctr">
+                    <a:lnL w="12700" cap="flat" cmpd="sng" algn="ctr">
+                      <a:solidFill>
+                        <a:schemeClr val="bg1"/>
+                      </a:solidFill>
+                      <a:prstDash val="solid"/>
+                      <a:round/>
+                      <a:headEnd type="none" w="med" len="med"/>
+                      <a:tailEnd type="none" w="med" len="med"/>
+                    </a:lnL>
+                    <a:lnR w="12700" cap="flat" cmpd="sng" algn="ctr">
+                      <a:solidFill>
+                        <a:schemeClr val="bg1"/>
+                      </a:solidFill>
+                      <a:prstDash val="solid"/>
+                      <a:round/>
+                      <a:headEnd type="none" w="med" len="med"/>
+                      <a:tailEnd type="none" w="med" len="med"/>
+                    </a:lnR>
+                    <a:lnT w="12700" cap="flat" cmpd="sng" algn="ctr">
+                      <a:solidFill>
+                        <a:schemeClr val="bg1"/>
+                      </a:solidFill>
+                      <a:prstDash val="solid"/>
+                      <a:round/>
+                      <a:headEnd type="none" w="med" len="med"/>
+                      <a:tailEnd type="none" w="med" len="med"/>
+                    </a:lnT>
+                    <a:lnB w="12700" cap="flat" cmpd="sng" algn="ctr">
+                      <a:solidFill>
+                        <a:schemeClr val="bg1"/>
+                      </a:solidFill>
+                      <a:prstDash val="solid"/>
+                      <a:round/>
+                      <a:headEnd type="none" w="med" len="med"/>
+                      <a:tailEnd type="none" w="med" len="med"/>
+                    </a:lnB>
+                    <a:solidFill>
+                      <a:schemeClr val="accent1"/>
+                    </a:solidFill>
+                  </a:tcPr>
+                </a:tc>
+                <a:tc>
+                  <a:txBody>
+                    <a:bodyPr/>
+                    <a:lstStyle/>
+                    <a:p>
+                      <a:pPr algn="ctr"/>
+                      <a:r>
+                        <a:rPr lang="de-DE" dirty="0">
+                          <a:solidFill>
+                            <a:schemeClr val="bg1"/>
+                          </a:solidFill>
+                        </a:rPr>
+                        <a:t>49</a:t>
+                      </a:r>
+                    </a:p>
+                  </a:txBody>
+                  <a:tcPr anchor="ctr">
+                    <a:lnL w="12700" cap="flat" cmpd="sng" algn="ctr">
+                      <a:solidFill>
+                        <a:schemeClr val="bg1"/>
+                      </a:solidFill>
+                      <a:prstDash val="solid"/>
+                      <a:round/>
+                      <a:headEnd type="none" w="med" len="med"/>
+                      <a:tailEnd type="none" w="med" len="med"/>
+                    </a:lnL>
+                    <a:lnR w="12700" cap="flat" cmpd="sng" algn="ctr">
+                      <a:solidFill>
+                        <a:schemeClr val="bg1"/>
+                      </a:solidFill>
+                      <a:prstDash val="solid"/>
+                      <a:round/>
+                      <a:headEnd type="none" w="med" len="med"/>
+                      <a:tailEnd type="none" w="med" len="med"/>
+                    </a:lnR>
+                    <a:lnT w="12700" cap="flat" cmpd="sng" algn="ctr">
+                      <a:solidFill>
+                        <a:schemeClr val="bg1"/>
+                      </a:solidFill>
+                      <a:prstDash val="solid"/>
+                      <a:round/>
+                      <a:headEnd type="none" w="med" len="med"/>
+                      <a:tailEnd type="none" w="med" len="med"/>
+                    </a:lnT>
+                    <a:lnB w="12700" cap="flat" cmpd="sng" algn="ctr">
+                      <a:solidFill>
+                        <a:schemeClr val="bg1"/>
+                      </a:solidFill>
+                      <a:prstDash val="solid"/>
+                      <a:round/>
+                      <a:headEnd type="none" w="med" len="med"/>
+                      <a:tailEnd type="none" w="med" len="med"/>
+                    </a:lnB>
+                    <a:solidFill>
+                      <a:schemeClr val="accent1"/>
+                    </a:solidFill>
+                  </a:tcPr>
+                </a:tc>
+                <a:tc>
+                  <a:txBody>
+                    <a:bodyPr/>
+                    <a:lstStyle/>
+                    <a:p>
+                      <a:pPr algn="ctr"/>
+                      <a:r>
+                        <a:rPr lang="de-DE" dirty="0">
+                          <a:solidFill>
+                            <a:schemeClr val="bg1"/>
+                          </a:solidFill>
+                        </a:rPr>
+                        <a:t>21</a:t>
+                      </a:r>
+                    </a:p>
+                  </a:txBody>
+                  <a:tcPr anchor="ctr">
+                    <a:lnL w="12700" cap="flat" cmpd="sng" algn="ctr">
+                      <a:solidFill>
+                        <a:schemeClr val="bg1"/>
+                      </a:solidFill>
+                      <a:prstDash val="solid"/>
+                      <a:round/>
+                      <a:headEnd type="none" w="med" len="med"/>
+                      <a:tailEnd type="none" w="med" len="med"/>
+                    </a:lnL>
+                    <a:lnR w="12700" cap="flat" cmpd="sng" algn="ctr">
+                      <a:solidFill>
+                        <a:schemeClr val="bg1"/>
+                      </a:solidFill>
+                      <a:prstDash val="solid"/>
+                      <a:round/>
+                      <a:headEnd type="none" w="med" len="med"/>
+                      <a:tailEnd type="none" w="med" len="med"/>
+                    </a:lnR>
+                    <a:lnT w="12700" cap="flat" cmpd="sng" algn="ctr">
+                      <a:solidFill>
+                        <a:schemeClr val="bg1"/>
+                      </a:solidFill>
+                      <a:prstDash val="solid"/>
+                      <a:round/>
+                      <a:headEnd type="none" w="med" len="med"/>
+                      <a:tailEnd type="none" w="med" len="med"/>
+                    </a:lnT>
+                    <a:lnB w="12700" cap="flat" cmpd="sng" algn="ctr">
+                      <a:solidFill>
+                        <a:schemeClr val="bg1"/>
+                      </a:solidFill>
+                      <a:prstDash val="solid"/>
+                      <a:round/>
+                      <a:headEnd type="none" w="med" len="med"/>
+                      <a:tailEnd type="none" w="med" len="med"/>
+                    </a:lnB>
+                    <a:solidFill>
+                      <a:schemeClr val="accent1"/>
+                    </a:solidFill>
+                  </a:tcPr>
+                </a:tc>
+                <a:tc>
+                  <a:txBody>
+                    <a:bodyPr/>
+                    <a:lstStyle/>
+                    <a:p>
+                      <a:pPr algn="ctr"/>
+                      <a:r>
+                        <a:rPr lang="de-DE" dirty="0">
+                          <a:solidFill>
+                            <a:schemeClr val="bg1"/>
+                          </a:solidFill>
+                        </a:rPr>
+                        <a:t>23</a:t>
+                      </a:r>
+                    </a:p>
+                  </a:txBody>
+                  <a:tcPr anchor="ctr">
+                    <a:lnL w="12700" cap="flat" cmpd="sng" algn="ctr">
+                      <a:solidFill>
+                        <a:schemeClr val="bg1"/>
+                      </a:solidFill>
+                      <a:prstDash val="solid"/>
+                      <a:round/>
+                      <a:headEnd type="none" w="med" len="med"/>
+                      <a:tailEnd type="none" w="med" len="med"/>
+                    </a:lnL>
+                    <a:lnR w="12700" cap="flat" cmpd="sng" algn="ctr">
+                      <a:solidFill>
+                        <a:schemeClr val="bg1"/>
+                      </a:solidFill>
+                      <a:prstDash val="solid"/>
+                      <a:round/>
+                      <a:headEnd type="none" w="med" len="med"/>
+                      <a:tailEnd type="none" w="med" len="med"/>
+                    </a:lnR>
+                    <a:lnT w="12700" cap="flat" cmpd="sng" algn="ctr">
+                      <a:solidFill>
+                        <a:schemeClr val="bg1"/>
+                      </a:solidFill>
+                      <a:prstDash val="solid"/>
+                      <a:round/>
+                      <a:headEnd type="none" w="med" len="med"/>
+                      <a:tailEnd type="none" w="med" len="med"/>
+                    </a:lnT>
+                    <a:lnB w="12700" cap="flat" cmpd="sng" algn="ctr">
+                      <a:solidFill>
+                        <a:schemeClr val="bg1"/>
+                      </a:solidFill>
+                      <a:prstDash val="solid"/>
+                      <a:round/>
+                      <a:headEnd type="none" w="med" len="med"/>
+                      <a:tailEnd type="none" w="med" len="med"/>
+                    </a:lnB>
+                    <a:solidFill>
+                      <a:schemeClr val="accent1"/>
+                    </a:solidFill>
+                  </a:tcPr>
+                </a:tc>
+                <a:extLst>
+                  <a:ext uri="{0D108BD9-81ED-4DB2-BD59-A6C34878D82A}">
+                    <a16:rowId xmlns:a16="http://schemas.microsoft.com/office/drawing/2014/main" val="1439815679"/>
+                  </a:ext>
+                </a:extLst>
+              </a:tr>
+            </a:tbl>
+          </a:graphicData>
+        </a:graphic>
+      </p:graphicFrame>
+      <p:sp>
+        <p:nvSpPr>
+          <p:cNvPr id="12" name="Rechteck 11">
+            <a:extLst>
+              <a:ext uri="{FF2B5EF4-FFF2-40B4-BE49-F238E27FC236}">
+                <a16:creationId xmlns:a16="http://schemas.microsoft.com/office/drawing/2014/main" id="{D661AC50-4938-5049-8712-7924FCDA5E71}"/>
+              </a:ext>
+            </a:extLst>
+          </p:cNvPr>
+          <p:cNvSpPr/>
           <p:nvPr/>
-        </p:nvPicPr>
-        <p:blipFill>
-          <a:blip r:embed="rId2"/>
-          <a:stretch>
-            <a:fillRect/>
-          </a:stretch>
-        </p:blipFill>
-        <p:spPr>
-          <a:xfrm>
-            <a:off x="628650" y="1593850"/>
-            <a:ext cx="8229600" cy="3670300"/>
+        </p:nvSpPr>
+        <p:spPr>
+          <a:xfrm>
+            <a:off x="1701676" y="4406880"/>
+            <a:ext cx="415925" cy="425450"/>
           </a:xfrm>
           <a:prstGeom prst="rect">
             <a:avLst/>
           </a:prstGeom>
-        </p:spPr>
-      </p:pic>
+          <a:noFill/>
+          <a:ln w="38100">
+            <a:solidFill>
+              <a:schemeClr val="bg1"/>
+            </a:solidFill>
+          </a:ln>
+        </p:spPr>
+        <p:style>
+          <a:lnRef idx="2">
+            <a:schemeClr val="accent1">
+              <a:shade val="50000"/>
+            </a:schemeClr>
+          </a:lnRef>
+          <a:fillRef idx="1">
+            <a:schemeClr val="accent1"/>
+          </a:fillRef>
+          <a:effectRef idx="0">
+            <a:schemeClr val="accent1"/>
+          </a:effectRef>
+          <a:fontRef idx="minor">
+            <a:schemeClr val="lt1"/>
+          </a:fontRef>
+        </p:style>
+        <p:txBody>
+          <a:bodyPr rtlCol="0" anchor="ctr"/>
+          <a:lstStyle/>
+          <a:p>
+            <a:pPr algn="ctr"/>
+            <a:endParaRPr lang="de-DE"/>
+          </a:p>
+        </p:txBody>
+      </p:sp>
+      <p:sp>
+        <p:nvSpPr>
+          <p:cNvPr id="13" name="Pfeil nach rechts 12">
+            <a:extLst>
+              <a:ext uri="{FF2B5EF4-FFF2-40B4-BE49-F238E27FC236}">
+                <a16:creationId xmlns:a16="http://schemas.microsoft.com/office/drawing/2014/main" id="{DB76D098-EBA4-E24E-92B8-163FB16868BA}"/>
+              </a:ext>
+            </a:extLst>
+          </p:cNvPr>
+          <p:cNvSpPr/>
+          <p:nvPr/>
+        </p:nvSpPr>
+        <p:spPr>
+          <a:xfrm>
+            <a:off x="2783522" y="2662860"/>
+            <a:ext cx="418704" cy="145141"/>
+          </a:xfrm>
+          <a:prstGeom prst="rightArrow">
+            <a:avLst/>
+          </a:prstGeom>
+        </p:spPr>
+        <p:style>
+          <a:lnRef idx="2">
+            <a:schemeClr val="accent1">
+              <a:shade val="50000"/>
+            </a:schemeClr>
+          </a:lnRef>
+          <a:fillRef idx="1">
+            <a:schemeClr val="accent1"/>
+          </a:fillRef>
+          <a:effectRef idx="0">
+            <a:schemeClr val="accent1"/>
+          </a:effectRef>
+          <a:fontRef idx="minor">
+            <a:schemeClr val="lt1"/>
+          </a:fontRef>
+        </p:style>
+        <p:txBody>
+          <a:bodyPr rtlCol="0" anchor="ctr"/>
+          <a:lstStyle/>
+          <a:p>
+            <a:pPr algn="ctr"/>
+            <a:endParaRPr lang="de-DE"/>
+          </a:p>
+        </p:txBody>
+      </p:sp>
+      <p:sp>
+        <p:nvSpPr>
+          <p:cNvPr id="14" name="Textfeld 13">
+            <a:extLst>
+              <a:ext uri="{FF2B5EF4-FFF2-40B4-BE49-F238E27FC236}">
+                <a16:creationId xmlns:a16="http://schemas.microsoft.com/office/drawing/2014/main" id="{C887F461-4D90-474E-9B89-23BC65C231C9}"/>
+              </a:ext>
+            </a:extLst>
+          </p:cNvPr>
+          <p:cNvSpPr txBox="1"/>
+          <p:nvPr/>
+        </p:nvSpPr>
+        <p:spPr>
+          <a:xfrm>
+            <a:off x="1146032" y="5730276"/>
+            <a:ext cx="1100301" cy="369332"/>
+          </a:xfrm>
+          <a:prstGeom prst="rect">
+            <a:avLst/>
+          </a:prstGeom>
+          <a:noFill/>
+        </p:spPr>
+        <p:txBody>
+          <a:bodyPr wrap="none" rtlCol="0">
+            <a:spAutoFit/>
+          </a:bodyPr>
+          <a:lstStyle/>
+          <a:p>
+            <a:r>
+              <a:rPr lang="de-DE" dirty="0"/>
+              <a:t>Pixel </a:t>
+            </a:r>
+            <a:r>
+              <a:rPr lang="de-DE" dirty="0" err="1"/>
+              <a:t>Map</a:t>
+            </a:r>
+            <a:endParaRPr lang="de-DE" dirty="0"/>
+          </a:p>
+        </p:txBody>
+      </p:sp>
+      <p:sp>
+        <p:nvSpPr>
+          <p:cNvPr id="16" name="Textfeld 15">
+            <a:extLst>
+              <a:ext uri="{FF2B5EF4-FFF2-40B4-BE49-F238E27FC236}">
+                <a16:creationId xmlns:a16="http://schemas.microsoft.com/office/drawing/2014/main" id="{80DB5BA5-2ED5-D647-B7BB-B1B32DA24895}"/>
+              </a:ext>
+            </a:extLst>
+          </p:cNvPr>
+          <p:cNvSpPr txBox="1"/>
+          <p:nvPr/>
+        </p:nvSpPr>
+        <p:spPr>
+          <a:xfrm>
+            <a:off x="4282313" y="3574339"/>
+            <a:ext cx="611065" cy="369332"/>
+          </a:xfrm>
+          <a:prstGeom prst="rect">
+            <a:avLst/>
+          </a:prstGeom>
+          <a:noFill/>
+        </p:spPr>
+        <p:txBody>
+          <a:bodyPr wrap="none" rtlCol="0">
+            <a:spAutoFit/>
+          </a:bodyPr>
+          <a:lstStyle/>
+          <a:p>
+            <a:r>
+              <a:rPr lang="de-DE" dirty="0" err="1"/>
+              <a:t>Ascii</a:t>
+            </a:r>
+            <a:endParaRPr lang="de-DE" dirty="0"/>
+          </a:p>
+        </p:txBody>
+      </p:sp>
+      <p:sp>
+        <p:nvSpPr>
+          <p:cNvPr id="18" name="Textfeld 17">
+            <a:extLst>
+              <a:ext uri="{FF2B5EF4-FFF2-40B4-BE49-F238E27FC236}">
+                <a16:creationId xmlns:a16="http://schemas.microsoft.com/office/drawing/2014/main" id="{7496C66C-1E15-E645-9BFE-A543DD2FD105}"/>
+              </a:ext>
+            </a:extLst>
+          </p:cNvPr>
+          <p:cNvSpPr txBox="1"/>
+          <p:nvPr/>
+        </p:nvSpPr>
+        <p:spPr>
+          <a:xfrm>
+            <a:off x="5478804" y="4650642"/>
+            <a:ext cx="1120820" cy="369332"/>
+          </a:xfrm>
+          <a:prstGeom prst="rect">
+            <a:avLst/>
+          </a:prstGeom>
+          <a:noFill/>
+        </p:spPr>
+        <p:txBody>
+          <a:bodyPr wrap="none" rtlCol="0">
+            <a:spAutoFit/>
+          </a:bodyPr>
+          <a:lstStyle/>
+          <a:p>
+            <a:r>
+              <a:rPr lang="de-DE" dirty="0"/>
+              <a:t>00010110</a:t>
+            </a:r>
+          </a:p>
+        </p:txBody>
+      </p:sp>
+      <p:sp>
+        <p:nvSpPr>
+          <p:cNvPr id="19" name="Textfeld 18">
+            <a:extLst>
+              <a:ext uri="{FF2B5EF4-FFF2-40B4-BE49-F238E27FC236}">
+                <a16:creationId xmlns:a16="http://schemas.microsoft.com/office/drawing/2014/main" id="{92870ED6-2512-EC44-BCC5-1F1CCEBB14C0}"/>
+              </a:ext>
+            </a:extLst>
+          </p:cNvPr>
+          <p:cNvSpPr txBox="1"/>
+          <p:nvPr/>
+        </p:nvSpPr>
+        <p:spPr>
+          <a:xfrm>
+            <a:off x="5667912" y="3574273"/>
+            <a:ext cx="675185" cy="369332"/>
+          </a:xfrm>
+          <a:prstGeom prst="rect">
+            <a:avLst/>
+          </a:prstGeom>
+          <a:noFill/>
+        </p:spPr>
+        <p:txBody>
+          <a:bodyPr wrap="none" rtlCol="0">
+            <a:spAutoFit/>
+          </a:bodyPr>
+          <a:lstStyle/>
+          <a:p>
+            <a:r>
+              <a:rPr lang="de-DE" dirty="0"/>
+              <a:t>Binär</a:t>
+            </a:r>
+          </a:p>
+        </p:txBody>
+      </p:sp>
+      <p:sp>
+        <p:nvSpPr>
+          <p:cNvPr id="21" name="Rechteck 20">
+            <a:extLst>
+              <a:ext uri="{FF2B5EF4-FFF2-40B4-BE49-F238E27FC236}">
+                <a16:creationId xmlns:a16="http://schemas.microsoft.com/office/drawing/2014/main" id="{4AFD8E6B-31A6-EF45-AF9E-1C6A066A4F02}"/>
+              </a:ext>
+            </a:extLst>
+          </p:cNvPr>
+          <p:cNvSpPr/>
+          <p:nvPr/>
+        </p:nvSpPr>
+        <p:spPr>
+          <a:xfrm>
+            <a:off x="808716" y="1794240"/>
+            <a:ext cx="1800000" cy="1800000"/>
+          </a:xfrm>
+          <a:prstGeom prst="rect">
+            <a:avLst/>
+          </a:prstGeom>
+        </p:spPr>
+        <p:style>
+          <a:lnRef idx="2">
+            <a:schemeClr val="accent1">
+              <a:shade val="50000"/>
+            </a:schemeClr>
+          </a:lnRef>
+          <a:fillRef idx="1">
+            <a:schemeClr val="accent1"/>
+          </a:fillRef>
+          <a:effectRef idx="0">
+            <a:schemeClr val="accent1"/>
+          </a:effectRef>
+          <a:fontRef idx="minor">
+            <a:schemeClr val="lt1"/>
+          </a:fontRef>
+        </p:style>
+        <p:txBody>
+          <a:bodyPr rtlCol="0" anchor="t"/>
+          <a:lstStyle/>
+          <a:p>
+            <a:r>
+              <a:rPr lang="de-DE" sz="1600" dirty="0" err="1">
+                <a:latin typeface="Andale Mono" panose="020B0509000000000004" pitchFamily="49" charset="0"/>
+              </a:rPr>
+              <a:t>Lorem</a:t>
+            </a:r>
+            <a:r>
+              <a:rPr lang="de-DE" sz="1600" dirty="0">
+                <a:latin typeface="Andale Mono" panose="020B0509000000000004" pitchFamily="49" charset="0"/>
+              </a:rPr>
+              <a:t> </a:t>
+            </a:r>
+            <a:r>
+              <a:rPr lang="de-DE" sz="1600" dirty="0" err="1">
+                <a:latin typeface="Andale Mono" panose="020B0509000000000004" pitchFamily="49" charset="0"/>
+              </a:rPr>
+              <a:t>ipsum</a:t>
+            </a:r>
+            <a:r>
+              <a:rPr lang="de-DE" sz="1600" dirty="0">
+                <a:latin typeface="Andale Mono" panose="020B0509000000000004" pitchFamily="49" charset="0"/>
+              </a:rPr>
+              <a:t> </a:t>
+            </a:r>
+            <a:r>
+              <a:rPr lang="de-DE" sz="1600" dirty="0" err="1">
+                <a:latin typeface="Andale Mono" panose="020B0509000000000004" pitchFamily="49" charset="0"/>
+              </a:rPr>
+              <a:t>dolor</a:t>
+            </a:r>
+            <a:r>
+              <a:rPr lang="de-DE" sz="1600" dirty="0">
+                <a:latin typeface="Andale Mono" panose="020B0509000000000004" pitchFamily="49" charset="0"/>
+              </a:rPr>
+              <a:t> </a:t>
+            </a:r>
+            <a:r>
+              <a:rPr lang="de-DE" sz="1600" dirty="0" err="1">
+                <a:latin typeface="Andale Mono" panose="020B0509000000000004" pitchFamily="49" charset="0"/>
+              </a:rPr>
+              <a:t>sit</a:t>
+            </a:r>
+            <a:r>
+              <a:rPr lang="de-DE" sz="1600" dirty="0">
+                <a:latin typeface="Andale Mono" panose="020B0509000000000004" pitchFamily="49" charset="0"/>
+              </a:rPr>
+              <a:t> </a:t>
+            </a:r>
+            <a:r>
+              <a:rPr lang="de-DE" sz="1600" dirty="0" err="1">
+                <a:latin typeface="Andale Mono" panose="020B0509000000000004" pitchFamily="49" charset="0"/>
+              </a:rPr>
+              <a:t>amet</a:t>
+            </a:r>
+            <a:r>
+              <a:rPr lang="de-DE" sz="1600" dirty="0">
+                <a:latin typeface="Andale Mono" panose="020B0509000000000004" pitchFamily="49" charset="0"/>
+              </a:rPr>
+              <a:t>, </a:t>
+            </a:r>
+            <a:r>
+              <a:rPr lang="de-DE" sz="1600" dirty="0" err="1">
+                <a:latin typeface="Andale Mono" panose="020B0509000000000004" pitchFamily="49" charset="0"/>
+              </a:rPr>
+              <a:t>consetetur</a:t>
+            </a:r>
+            <a:r>
+              <a:rPr lang="de-DE" sz="1600" dirty="0">
+                <a:latin typeface="Andale Mono" panose="020B0509000000000004" pitchFamily="49" charset="0"/>
+              </a:rPr>
+              <a:t> </a:t>
+            </a:r>
+            <a:r>
+              <a:rPr lang="de-DE" sz="1600" dirty="0" err="1">
+                <a:latin typeface="Andale Mono" panose="020B0509000000000004" pitchFamily="49" charset="0"/>
+              </a:rPr>
+              <a:t>sadipscing</a:t>
+            </a:r>
+            <a:r>
+              <a:rPr lang="de-DE" sz="1600" dirty="0">
+                <a:latin typeface="Andale Mono" panose="020B0509000000000004" pitchFamily="49" charset="0"/>
+              </a:rPr>
+              <a:t> </a:t>
+            </a:r>
+            <a:r>
+              <a:rPr lang="de-DE" sz="1600" dirty="0" err="1">
+                <a:latin typeface="Andale Mono" panose="020B0509000000000004" pitchFamily="49" charset="0"/>
+              </a:rPr>
+              <a:t>elitr</a:t>
+            </a:r>
+            <a:r>
+              <a:rPr lang="de-DE" sz="1600" dirty="0">
+                <a:latin typeface="Andale Mono" panose="020B0509000000000004" pitchFamily="49" charset="0"/>
+              </a:rPr>
+              <a:t>, </a:t>
+            </a:r>
+            <a:r>
+              <a:rPr lang="de-DE" sz="1600" dirty="0" err="1">
+                <a:latin typeface="Andale Mono" panose="020B0509000000000004" pitchFamily="49" charset="0"/>
+              </a:rPr>
+              <a:t>sed</a:t>
+            </a:r>
+            <a:r>
+              <a:rPr lang="de-DE" sz="1600" dirty="0">
+                <a:latin typeface="Andale Mono" panose="020B0509000000000004" pitchFamily="49" charset="0"/>
+              </a:rPr>
+              <a:t> </a:t>
+            </a:r>
+            <a:r>
+              <a:rPr lang="de-DE" sz="1600" dirty="0" err="1">
+                <a:latin typeface="Andale Mono" panose="020B0509000000000004" pitchFamily="49" charset="0"/>
+              </a:rPr>
+              <a:t>diam</a:t>
+            </a:r>
+            <a:endParaRPr lang="de-DE" sz="1600" dirty="0">
+              <a:latin typeface="Andale Mono" panose="020B0509000000000004" pitchFamily="49" charset="0"/>
+            </a:endParaRPr>
+          </a:p>
+        </p:txBody>
+      </p:sp>
+      <p:sp>
+        <p:nvSpPr>
+          <p:cNvPr id="22" name="Pfeil nach rechts 21">
+            <a:extLst>
+              <a:ext uri="{FF2B5EF4-FFF2-40B4-BE49-F238E27FC236}">
+                <a16:creationId xmlns:a16="http://schemas.microsoft.com/office/drawing/2014/main" id="{BF69A26C-FC84-A546-BA8E-0AA858501DD7}"/>
+              </a:ext>
+            </a:extLst>
+          </p:cNvPr>
+          <p:cNvSpPr/>
+          <p:nvPr/>
+        </p:nvSpPr>
+        <p:spPr>
+          <a:xfrm>
+            <a:off x="4944022" y="2668295"/>
+            <a:ext cx="418704" cy="145141"/>
+          </a:xfrm>
+          <a:prstGeom prst="rightArrow">
+            <a:avLst/>
+          </a:prstGeom>
+        </p:spPr>
+        <p:style>
+          <a:lnRef idx="2">
+            <a:schemeClr val="accent1">
+              <a:shade val="50000"/>
+            </a:schemeClr>
+          </a:lnRef>
+          <a:fillRef idx="1">
+            <a:schemeClr val="accent1"/>
+          </a:fillRef>
+          <a:effectRef idx="0">
+            <a:schemeClr val="accent1"/>
+          </a:effectRef>
+          <a:fontRef idx="minor">
+            <a:schemeClr val="lt1"/>
+          </a:fontRef>
+        </p:style>
+        <p:txBody>
+          <a:bodyPr rtlCol="0" anchor="ctr"/>
+          <a:lstStyle/>
+          <a:p>
+            <a:pPr algn="ctr"/>
+            <a:endParaRPr lang="de-DE"/>
+          </a:p>
+        </p:txBody>
+      </p:sp>
+      <p:sp>
+        <p:nvSpPr>
+          <p:cNvPr id="24" name="Rechteck 23">
+            <a:extLst>
+              <a:ext uri="{FF2B5EF4-FFF2-40B4-BE49-F238E27FC236}">
+                <a16:creationId xmlns:a16="http://schemas.microsoft.com/office/drawing/2014/main" id="{0278C1FD-B8FE-4644-B1E4-4308F77AA079}"/>
+              </a:ext>
+            </a:extLst>
+          </p:cNvPr>
+          <p:cNvSpPr/>
+          <p:nvPr/>
+        </p:nvSpPr>
+        <p:spPr>
+          <a:xfrm>
+            <a:off x="1745183" y="2111389"/>
+            <a:ext cx="142576" cy="207034"/>
+          </a:xfrm>
+          <a:prstGeom prst="rect">
+            <a:avLst/>
+          </a:prstGeom>
+          <a:noFill/>
+          <a:ln>
+            <a:solidFill>
+              <a:schemeClr val="bg1"/>
+            </a:solidFill>
+          </a:ln>
+        </p:spPr>
+        <p:style>
+          <a:lnRef idx="2">
+            <a:schemeClr val="accent1">
+              <a:shade val="50000"/>
+            </a:schemeClr>
+          </a:lnRef>
+          <a:fillRef idx="1">
+            <a:schemeClr val="accent1"/>
+          </a:fillRef>
+          <a:effectRef idx="0">
+            <a:schemeClr val="accent1"/>
+          </a:effectRef>
+          <a:fontRef idx="minor">
+            <a:schemeClr val="lt1"/>
+          </a:fontRef>
+        </p:style>
+        <p:txBody>
+          <a:bodyPr rtlCol="0" anchor="ctr"/>
+          <a:lstStyle/>
+          <a:p>
+            <a:pPr algn="ctr"/>
+            <a:endParaRPr lang="de-DE" dirty="0"/>
+          </a:p>
+        </p:txBody>
+      </p:sp>
+      <p:sp>
+        <p:nvSpPr>
+          <p:cNvPr id="26" name="Textfeld 25">
+            <a:extLst>
+              <a:ext uri="{FF2B5EF4-FFF2-40B4-BE49-F238E27FC236}">
+                <a16:creationId xmlns:a16="http://schemas.microsoft.com/office/drawing/2014/main" id="{1728373E-2BBC-0540-9B0A-07DD41E6FD17}"/>
+              </a:ext>
+            </a:extLst>
+          </p:cNvPr>
+          <p:cNvSpPr txBox="1"/>
+          <p:nvPr/>
+        </p:nvSpPr>
+        <p:spPr>
+          <a:xfrm>
+            <a:off x="3338570" y="2550764"/>
+            <a:ext cx="237566" cy="369332"/>
+          </a:xfrm>
+          <a:prstGeom prst="rect">
+            <a:avLst/>
+          </a:prstGeom>
+          <a:noFill/>
+        </p:spPr>
+        <p:txBody>
+          <a:bodyPr wrap="none" rtlCol="0">
+            <a:spAutoFit/>
+          </a:bodyPr>
+          <a:lstStyle/>
+          <a:p>
+            <a:r>
+              <a:rPr lang="de-DE" dirty="0"/>
+              <a:t>i</a:t>
+            </a:r>
+          </a:p>
+        </p:txBody>
+      </p:sp>
+      <p:sp>
+        <p:nvSpPr>
+          <p:cNvPr id="27" name="Pfeil nach rechts 26">
+            <a:extLst>
+              <a:ext uri="{FF2B5EF4-FFF2-40B4-BE49-F238E27FC236}">
+                <a16:creationId xmlns:a16="http://schemas.microsoft.com/office/drawing/2014/main" id="{D1449B73-AA44-7640-9F6D-C7DE4117DBB9}"/>
+              </a:ext>
+            </a:extLst>
+          </p:cNvPr>
+          <p:cNvSpPr/>
+          <p:nvPr/>
+        </p:nvSpPr>
+        <p:spPr>
+          <a:xfrm>
+            <a:off x="3758704" y="2673514"/>
+            <a:ext cx="418704" cy="145141"/>
+          </a:xfrm>
+          <a:prstGeom prst="rightArrow">
+            <a:avLst/>
+          </a:prstGeom>
+        </p:spPr>
+        <p:style>
+          <a:lnRef idx="2">
+            <a:schemeClr val="accent1">
+              <a:shade val="50000"/>
+            </a:schemeClr>
+          </a:lnRef>
+          <a:fillRef idx="1">
+            <a:schemeClr val="accent1"/>
+          </a:fillRef>
+          <a:effectRef idx="0">
+            <a:schemeClr val="accent1"/>
+          </a:effectRef>
+          <a:fontRef idx="minor">
+            <a:schemeClr val="lt1"/>
+          </a:fontRef>
+        </p:style>
+        <p:txBody>
+          <a:bodyPr rtlCol="0" anchor="ctr"/>
+          <a:lstStyle/>
+          <a:p>
+            <a:pPr algn="ctr"/>
+            <a:endParaRPr lang="de-DE"/>
+          </a:p>
+        </p:txBody>
+      </p:sp>
+      <p:sp>
+        <p:nvSpPr>
+          <p:cNvPr id="28" name="Textfeld 27">
+            <a:extLst>
+              <a:ext uri="{FF2B5EF4-FFF2-40B4-BE49-F238E27FC236}">
+                <a16:creationId xmlns:a16="http://schemas.microsoft.com/office/drawing/2014/main" id="{71D1A6D2-C19B-754E-9D86-3291C844EACA}"/>
+              </a:ext>
+            </a:extLst>
+          </p:cNvPr>
+          <p:cNvSpPr txBox="1"/>
+          <p:nvPr/>
+        </p:nvSpPr>
+        <p:spPr>
+          <a:xfrm>
+            <a:off x="5478804" y="2575538"/>
+            <a:ext cx="1120820" cy="369332"/>
+          </a:xfrm>
+          <a:prstGeom prst="rect">
+            <a:avLst/>
+          </a:prstGeom>
+          <a:noFill/>
+        </p:spPr>
+        <p:txBody>
+          <a:bodyPr wrap="none" rtlCol="0">
+            <a:spAutoFit/>
+          </a:bodyPr>
+          <a:lstStyle/>
+          <a:p>
+            <a:r>
+              <a:rPr lang="de-DE" dirty="0"/>
+              <a:t>01101001</a:t>
+            </a:r>
+          </a:p>
+        </p:txBody>
+      </p:sp>
+      <p:sp>
+        <p:nvSpPr>
+          <p:cNvPr id="29" name="Pfeil nach rechts 28">
+            <a:extLst>
+              <a:ext uri="{FF2B5EF4-FFF2-40B4-BE49-F238E27FC236}">
+                <a16:creationId xmlns:a16="http://schemas.microsoft.com/office/drawing/2014/main" id="{C23A2E74-C480-034A-BD80-190F5A1AC1F1}"/>
+              </a:ext>
+            </a:extLst>
+          </p:cNvPr>
+          <p:cNvSpPr/>
+          <p:nvPr/>
+        </p:nvSpPr>
+        <p:spPr>
+          <a:xfrm>
+            <a:off x="2783521" y="4750401"/>
+            <a:ext cx="418705" cy="145141"/>
+          </a:xfrm>
+          <a:prstGeom prst="rightArrow">
+            <a:avLst/>
+          </a:prstGeom>
+        </p:spPr>
+        <p:style>
+          <a:lnRef idx="2">
+            <a:schemeClr val="accent1">
+              <a:shade val="50000"/>
+            </a:schemeClr>
+          </a:lnRef>
+          <a:fillRef idx="1">
+            <a:schemeClr val="accent1"/>
+          </a:fillRef>
+          <a:effectRef idx="0">
+            <a:schemeClr val="accent1"/>
+          </a:effectRef>
+          <a:fontRef idx="minor">
+            <a:schemeClr val="lt1"/>
+          </a:fontRef>
+        </p:style>
+        <p:txBody>
+          <a:bodyPr rtlCol="0" anchor="ctr"/>
+          <a:lstStyle/>
+          <a:p>
+            <a:pPr algn="ctr"/>
+            <a:endParaRPr lang="de-DE"/>
+          </a:p>
+        </p:txBody>
+      </p:sp>
+      <p:sp>
+        <p:nvSpPr>
+          <p:cNvPr id="30" name="Textfeld 29">
+            <a:extLst>
+              <a:ext uri="{FF2B5EF4-FFF2-40B4-BE49-F238E27FC236}">
+                <a16:creationId xmlns:a16="http://schemas.microsoft.com/office/drawing/2014/main" id="{426B111E-CE9C-D14F-9261-7D06B742709C}"/>
+              </a:ext>
+            </a:extLst>
+          </p:cNvPr>
+          <p:cNvSpPr txBox="1"/>
+          <p:nvPr/>
+        </p:nvSpPr>
+        <p:spPr>
+          <a:xfrm>
+            <a:off x="3252996" y="4650642"/>
+            <a:ext cx="418704" cy="369332"/>
+          </a:xfrm>
+          <a:prstGeom prst="rect">
+            <a:avLst/>
+          </a:prstGeom>
+          <a:noFill/>
+        </p:spPr>
+        <p:txBody>
+          <a:bodyPr wrap="none" rtlCol="0">
+            <a:spAutoFit/>
+          </a:bodyPr>
+          <a:lstStyle/>
+          <a:p>
+            <a:r>
+              <a:rPr lang="de-DE" dirty="0"/>
+              <a:t>22</a:t>
+            </a:r>
+          </a:p>
+        </p:txBody>
+      </p:sp>
+      <p:sp>
+        <p:nvSpPr>
+          <p:cNvPr id="31" name="Pfeil nach rechts 30">
+            <a:extLst>
+              <a:ext uri="{FF2B5EF4-FFF2-40B4-BE49-F238E27FC236}">
+                <a16:creationId xmlns:a16="http://schemas.microsoft.com/office/drawing/2014/main" id="{846150B6-CD17-864F-AEC5-85E84BF085B0}"/>
+              </a:ext>
+            </a:extLst>
+          </p:cNvPr>
+          <p:cNvSpPr/>
+          <p:nvPr/>
+        </p:nvSpPr>
+        <p:spPr>
+          <a:xfrm>
+            <a:off x="3758704" y="4764869"/>
+            <a:ext cx="1604022" cy="130673"/>
+          </a:xfrm>
+          <a:prstGeom prst="rightArrow">
+            <a:avLst/>
+          </a:prstGeom>
+        </p:spPr>
+        <p:style>
+          <a:lnRef idx="2">
+            <a:schemeClr val="accent1">
+              <a:shade val="50000"/>
+            </a:schemeClr>
+          </a:lnRef>
+          <a:fillRef idx="1">
+            <a:schemeClr val="accent1"/>
+          </a:fillRef>
+          <a:effectRef idx="0">
+            <a:schemeClr val="accent1"/>
+          </a:effectRef>
+          <a:fontRef idx="minor">
+            <a:schemeClr val="lt1"/>
+          </a:fontRef>
+        </p:style>
+        <p:txBody>
+          <a:bodyPr rtlCol="0" anchor="ctr"/>
+          <a:lstStyle/>
+          <a:p>
+            <a:pPr algn="ctr"/>
+            <a:endParaRPr lang="de-DE"/>
+          </a:p>
+        </p:txBody>
+      </p:sp>
+      <p:sp>
+        <p:nvSpPr>
+          <p:cNvPr id="32" name="Textfeld 31">
+            <a:extLst>
+              <a:ext uri="{FF2B5EF4-FFF2-40B4-BE49-F238E27FC236}">
+                <a16:creationId xmlns:a16="http://schemas.microsoft.com/office/drawing/2014/main" id="{CAC378BD-11FD-8B46-828A-11DF7B25674F}"/>
+              </a:ext>
+            </a:extLst>
+          </p:cNvPr>
+          <p:cNvSpPr txBox="1"/>
+          <p:nvPr/>
+        </p:nvSpPr>
+        <p:spPr>
+          <a:xfrm>
+            <a:off x="4292220" y="2561418"/>
+            <a:ext cx="535724" cy="369332"/>
+          </a:xfrm>
+          <a:prstGeom prst="rect">
+            <a:avLst/>
+          </a:prstGeom>
+          <a:noFill/>
+        </p:spPr>
+        <p:txBody>
+          <a:bodyPr wrap="none" rtlCol="0">
+            <a:spAutoFit/>
+          </a:bodyPr>
+          <a:lstStyle/>
+          <a:p>
+            <a:r>
+              <a:rPr lang="de-DE" dirty="0"/>
+              <a:t>105</a:t>
+            </a:r>
+          </a:p>
+        </p:txBody>
+      </p:sp>
+      <p:sp>
+        <p:nvSpPr>
+          <p:cNvPr id="33" name="Textfeld 32">
+            <a:extLst>
+              <a:ext uri="{FF2B5EF4-FFF2-40B4-BE49-F238E27FC236}">
+                <a16:creationId xmlns:a16="http://schemas.microsoft.com/office/drawing/2014/main" id="{02AF5F33-406D-4646-AF98-1DCEE6EE1281}"/>
+              </a:ext>
+            </a:extLst>
+          </p:cNvPr>
+          <p:cNvSpPr txBox="1"/>
+          <p:nvPr/>
+        </p:nvSpPr>
+        <p:spPr>
+          <a:xfrm>
+            <a:off x="1413508" y="1424908"/>
+            <a:ext cx="565348" cy="369332"/>
+          </a:xfrm>
+          <a:prstGeom prst="rect">
+            <a:avLst/>
+          </a:prstGeom>
+          <a:noFill/>
+        </p:spPr>
+        <p:txBody>
+          <a:bodyPr wrap="none" rtlCol="0">
+            <a:spAutoFit/>
+          </a:bodyPr>
+          <a:lstStyle/>
+          <a:p>
+            <a:r>
+              <a:rPr lang="de-DE" dirty="0"/>
+              <a:t>Text</a:t>
+            </a:r>
+          </a:p>
+        </p:txBody>
+      </p:sp>
+      <p:sp>
+        <p:nvSpPr>
+          <p:cNvPr id="40" name="Textfeld 39">
+            <a:extLst>
+              <a:ext uri="{FF2B5EF4-FFF2-40B4-BE49-F238E27FC236}">
+                <a16:creationId xmlns:a16="http://schemas.microsoft.com/office/drawing/2014/main" id="{6350F64E-245D-8547-BD5B-216BA3F58A11}"/>
+              </a:ext>
+            </a:extLst>
+          </p:cNvPr>
+          <p:cNvSpPr txBox="1"/>
+          <p:nvPr/>
+        </p:nvSpPr>
+        <p:spPr>
+          <a:xfrm>
+            <a:off x="7394530" y="3574273"/>
+            <a:ext cx="1120820" cy="369332"/>
+          </a:xfrm>
+          <a:prstGeom prst="rect">
+            <a:avLst/>
+          </a:prstGeom>
+          <a:noFill/>
+        </p:spPr>
+        <p:txBody>
+          <a:bodyPr wrap="none" rtlCol="0">
+            <a:spAutoFit/>
+          </a:bodyPr>
+          <a:lstStyle/>
+          <a:p>
+            <a:r>
+              <a:rPr lang="de-DE" dirty="0"/>
+              <a:t>00010111</a:t>
+            </a:r>
+          </a:p>
+        </p:txBody>
+      </p:sp>
+      <p:sp>
+        <p:nvSpPr>
+          <p:cNvPr id="42" name="Rechteck 41">
+            <a:extLst>
+              <a:ext uri="{FF2B5EF4-FFF2-40B4-BE49-F238E27FC236}">
+                <a16:creationId xmlns:a16="http://schemas.microsoft.com/office/drawing/2014/main" id="{F26871B9-F063-CD40-94DE-F61A542737F7}"/>
+              </a:ext>
+            </a:extLst>
+          </p:cNvPr>
+          <p:cNvSpPr/>
+          <p:nvPr/>
+        </p:nvSpPr>
+        <p:spPr>
+          <a:xfrm>
+            <a:off x="5552947" y="4694691"/>
+            <a:ext cx="827802" cy="283779"/>
+          </a:xfrm>
+          <a:prstGeom prst="rect">
+            <a:avLst/>
+          </a:prstGeom>
+          <a:noFill/>
+          <a:ln>
+            <a:solidFill>
+              <a:schemeClr val="accent1">
+                <a:shade val="50000"/>
+                <a:alpha val="50000"/>
+              </a:schemeClr>
+            </a:solidFill>
+          </a:ln>
+        </p:spPr>
+        <p:style>
+          <a:lnRef idx="2">
+            <a:schemeClr val="accent1">
+              <a:shade val="50000"/>
+            </a:schemeClr>
+          </a:lnRef>
+          <a:fillRef idx="1">
+            <a:schemeClr val="accent1"/>
+          </a:fillRef>
+          <a:effectRef idx="0">
+            <a:schemeClr val="accent1"/>
+          </a:effectRef>
+          <a:fontRef idx="minor">
+            <a:schemeClr val="lt1"/>
+          </a:fontRef>
+        </p:style>
+        <p:txBody>
+          <a:bodyPr rtlCol="0" anchor="ctr"/>
+          <a:lstStyle/>
+          <a:p>
+            <a:pPr algn="ctr"/>
+            <a:endParaRPr lang="de-DE"/>
+          </a:p>
+        </p:txBody>
+      </p:sp>
+      <p:sp>
+        <p:nvSpPr>
+          <p:cNvPr id="44" name="Rechteck 43">
+            <a:extLst>
+              <a:ext uri="{FF2B5EF4-FFF2-40B4-BE49-F238E27FC236}">
+                <a16:creationId xmlns:a16="http://schemas.microsoft.com/office/drawing/2014/main" id="{C48281B8-D5D7-AC4C-912F-A626417A7BA0}"/>
+              </a:ext>
+            </a:extLst>
+          </p:cNvPr>
+          <p:cNvSpPr/>
+          <p:nvPr/>
+        </p:nvSpPr>
+        <p:spPr>
+          <a:xfrm>
+            <a:off x="5689632" y="2610500"/>
+            <a:ext cx="110150" cy="283779"/>
+          </a:xfrm>
+          <a:prstGeom prst="rect">
+            <a:avLst/>
+          </a:prstGeom>
+          <a:noFill/>
+          <a:ln>
+            <a:solidFill>
+              <a:schemeClr val="accent1">
+                <a:shade val="50000"/>
+                <a:alpha val="50000"/>
+              </a:schemeClr>
+            </a:solidFill>
+          </a:ln>
+        </p:spPr>
+        <p:style>
+          <a:lnRef idx="2">
+            <a:schemeClr val="accent1">
+              <a:shade val="50000"/>
+            </a:schemeClr>
+          </a:lnRef>
+          <a:fillRef idx="1">
+            <a:schemeClr val="accent1"/>
+          </a:fillRef>
+          <a:effectRef idx="0">
+            <a:schemeClr val="accent1"/>
+          </a:effectRef>
+          <a:fontRef idx="minor">
+            <a:schemeClr val="lt1"/>
+          </a:fontRef>
+        </p:style>
+        <p:txBody>
+          <a:bodyPr rtlCol="0" anchor="ctr"/>
+          <a:lstStyle/>
+          <a:p>
+            <a:pPr algn="ctr"/>
+            <a:endParaRPr lang="de-DE"/>
+          </a:p>
+        </p:txBody>
+      </p:sp>
+      <p:sp>
+        <p:nvSpPr>
+          <p:cNvPr id="46" name="Rechteck 45">
+            <a:extLst>
+              <a:ext uri="{FF2B5EF4-FFF2-40B4-BE49-F238E27FC236}">
+                <a16:creationId xmlns:a16="http://schemas.microsoft.com/office/drawing/2014/main" id="{B3D5E505-3BC6-2E42-852F-071B6B8EEB33}"/>
+              </a:ext>
+            </a:extLst>
+          </p:cNvPr>
+          <p:cNvSpPr/>
+          <p:nvPr/>
+        </p:nvSpPr>
+        <p:spPr>
+          <a:xfrm>
+            <a:off x="7471889" y="3617049"/>
+            <a:ext cx="827802" cy="283779"/>
+          </a:xfrm>
+          <a:prstGeom prst="rect">
+            <a:avLst/>
+          </a:prstGeom>
+          <a:noFill/>
+          <a:ln>
+            <a:solidFill>
+              <a:schemeClr val="accent1">
+                <a:shade val="50000"/>
+                <a:alpha val="50000"/>
+              </a:schemeClr>
+            </a:solidFill>
+          </a:ln>
+        </p:spPr>
+        <p:style>
+          <a:lnRef idx="2">
+            <a:schemeClr val="accent1">
+              <a:shade val="50000"/>
+            </a:schemeClr>
+          </a:lnRef>
+          <a:fillRef idx="1">
+            <a:schemeClr val="accent1"/>
+          </a:fillRef>
+          <a:effectRef idx="0">
+            <a:schemeClr val="accent1"/>
+          </a:effectRef>
+          <a:fontRef idx="minor">
+            <a:schemeClr val="lt1"/>
+          </a:fontRef>
+        </p:style>
+        <p:txBody>
+          <a:bodyPr rtlCol="0" anchor="ctr"/>
+          <a:lstStyle/>
+          <a:p>
+            <a:pPr algn="ctr"/>
+            <a:endParaRPr lang="de-DE"/>
+          </a:p>
+        </p:txBody>
+      </p:sp>
+      <p:sp>
+        <p:nvSpPr>
+          <p:cNvPr id="47" name="Rechteck 46">
+            <a:extLst>
+              <a:ext uri="{FF2B5EF4-FFF2-40B4-BE49-F238E27FC236}">
+                <a16:creationId xmlns:a16="http://schemas.microsoft.com/office/drawing/2014/main" id="{204EF40F-4FDC-3040-8EB2-6753E48E0DA0}"/>
+              </a:ext>
+            </a:extLst>
+          </p:cNvPr>
+          <p:cNvSpPr/>
+          <p:nvPr/>
+        </p:nvSpPr>
+        <p:spPr>
+          <a:xfrm>
+            <a:off x="8297370" y="3617048"/>
+            <a:ext cx="110150" cy="283779"/>
+          </a:xfrm>
+          <a:prstGeom prst="rect">
+            <a:avLst/>
+          </a:prstGeom>
+          <a:noFill/>
+          <a:ln>
+            <a:solidFill>
+              <a:schemeClr val="accent1">
+                <a:shade val="50000"/>
+                <a:alpha val="50000"/>
+              </a:schemeClr>
+            </a:solidFill>
+          </a:ln>
+        </p:spPr>
+        <p:style>
+          <a:lnRef idx="2">
+            <a:schemeClr val="accent1">
+              <a:shade val="50000"/>
+            </a:schemeClr>
+          </a:lnRef>
+          <a:fillRef idx="1">
+            <a:schemeClr val="accent1"/>
+          </a:fillRef>
+          <a:effectRef idx="0">
+            <a:schemeClr val="accent1"/>
+          </a:effectRef>
+          <a:fontRef idx="minor">
+            <a:schemeClr val="lt1"/>
+          </a:fontRef>
+        </p:style>
+        <p:txBody>
+          <a:bodyPr rtlCol="0" anchor="ctr"/>
+          <a:lstStyle/>
+          <a:p>
+            <a:pPr algn="ctr"/>
+            <a:endParaRPr lang="de-DE"/>
+          </a:p>
+        </p:txBody>
+      </p:sp>
+      <p:cxnSp>
+        <p:nvCxnSpPr>
+          <p:cNvPr id="51" name="Gewinkelte Verbindung 50">
+            <a:extLst>
+              <a:ext uri="{FF2B5EF4-FFF2-40B4-BE49-F238E27FC236}">
+                <a16:creationId xmlns:a16="http://schemas.microsoft.com/office/drawing/2014/main" id="{839A9111-DE5A-C54D-8764-6BD4E4F2C2CD}"/>
+              </a:ext>
+            </a:extLst>
+          </p:cNvPr>
+          <p:cNvCxnSpPr>
+            <a:stCxn id="42" idx="0"/>
+            <a:endCxn id="40" idx="2"/>
+          </p:cNvCxnSpPr>
+          <p:nvPr/>
+        </p:nvCxnSpPr>
+        <p:spPr>
+          <a:xfrm rot="5400000" flipH="1" flipV="1">
+            <a:off x="6585351" y="3325102"/>
+            <a:ext cx="751086" cy="1988092"/>
+          </a:xfrm>
+          <a:prstGeom prst="bentConnector3">
+            <a:avLst/>
+          </a:prstGeom>
+          <a:ln>
+            <a:tailEnd type="triangle"/>
+          </a:ln>
+        </p:spPr>
+        <p:style>
+          <a:lnRef idx="1">
+            <a:schemeClr val="accent1"/>
+          </a:lnRef>
+          <a:fillRef idx="0">
+            <a:schemeClr val="accent1"/>
+          </a:fillRef>
+          <a:effectRef idx="0">
+            <a:schemeClr val="accent1"/>
+          </a:effectRef>
+          <a:fontRef idx="minor">
+            <a:schemeClr val="tx1"/>
+          </a:fontRef>
+        </p:style>
+      </p:cxnSp>
+      <p:cxnSp>
+        <p:nvCxnSpPr>
+          <p:cNvPr id="53" name="Gewinkelte Verbindung 52">
+            <a:extLst>
+              <a:ext uri="{FF2B5EF4-FFF2-40B4-BE49-F238E27FC236}">
+                <a16:creationId xmlns:a16="http://schemas.microsoft.com/office/drawing/2014/main" id="{36DBE74B-F50D-484B-8D7A-1F0787EB8D4F}"/>
+              </a:ext>
+            </a:extLst>
+          </p:cNvPr>
+          <p:cNvCxnSpPr>
+            <a:stCxn id="44" idx="2"/>
+            <a:endCxn id="47" idx="0"/>
+          </p:cNvCxnSpPr>
+          <p:nvPr/>
+        </p:nvCxnSpPr>
+        <p:spPr>
+          <a:xfrm rot="16200000" flipH="1">
+            <a:off x="6687192" y="1951794"/>
+            <a:ext cx="722769" cy="2607738"/>
+          </a:xfrm>
+          <a:prstGeom prst="bentConnector3">
+            <a:avLst/>
+          </a:prstGeom>
+          <a:ln>
+            <a:tailEnd type="triangle"/>
+          </a:ln>
+        </p:spPr>
+        <p:style>
+          <a:lnRef idx="1">
+            <a:schemeClr val="accent1"/>
+          </a:lnRef>
+          <a:fillRef idx="0">
+            <a:schemeClr val="accent1"/>
+          </a:fillRef>
+          <a:effectRef idx="0">
+            <a:schemeClr val="accent1"/>
+          </a:effectRef>
+          <a:fontRef idx="minor">
+            <a:schemeClr val="tx1"/>
+          </a:fontRef>
+        </p:style>
+      </p:cxnSp>
     </p:spTree>
     <p:extLst>
       <p:ext uri="{BB962C8B-B14F-4D97-AF65-F5344CB8AC3E}">
-        <p14:creationId xmlns:p14="http://schemas.microsoft.com/office/powerpoint/2010/main" val="278769973"/>
+        <p14:creationId xmlns:p14="http://schemas.microsoft.com/office/powerpoint/2010/main" val="1843113604"/>
       </p:ext>
     </p:extLst>
   </p:cSld>
@@ -7267,17 +11668,22 @@
           <a:p>
             <a:r>
               <a:rPr lang="de-DE" dirty="0"/>
-              <a:t>Text in Binär</a:t>
-            </a:r>
+              <a:t>Text in </a:t>
+            </a:r>
+            <a:r>
+              <a:rPr lang="de-DE" dirty="0" err="1"/>
+              <a:t>Ascii</a:t>
+            </a:r>
+            <a:endParaRPr lang="de-DE" dirty="0"/>
           </a:p>
         </p:txBody>
       </p:sp>
       <p:pic>
         <p:nvPicPr>
-          <p:cNvPr id="4" name="Grafik 3">
+          <p:cNvPr id="23" name="Grafik 22">
             <a:extLst>
               <a:ext uri="{FF2B5EF4-FFF2-40B4-BE49-F238E27FC236}">
-                <a16:creationId xmlns:a16="http://schemas.microsoft.com/office/drawing/2014/main" id="{F69BB79F-E552-4E4C-8CBE-957E849CC8B4}"/>
+                <a16:creationId xmlns:a16="http://schemas.microsoft.com/office/drawing/2014/main" id="{97E32352-D993-7044-85BB-3926FD99A06E}"/>
               </a:ext>
             </a:extLst>
           </p:cNvPr>
@@ -7287,15 +11693,15 @@
           <p:nvPr/>
         </p:nvPicPr>
         <p:blipFill>
-          <a:blip r:embed="rId2"/>
+          <a:blip r:embed="rId3"/>
           <a:stretch>
             <a:fillRect/>
           </a:stretch>
         </p:blipFill>
         <p:spPr>
           <a:xfrm>
-            <a:off x="717550" y="1590413"/>
-            <a:ext cx="7797800" cy="3670300"/>
+            <a:off x="628650" y="1593850"/>
+            <a:ext cx="8229600" cy="3670300"/>
           </a:xfrm>
           <a:prstGeom prst="rect">
             <a:avLst/>
@@ -7305,7 +11711,7 @@
     </p:spTree>
     <p:extLst>
       <p:ext uri="{BB962C8B-B14F-4D97-AF65-F5344CB8AC3E}">
-        <p14:creationId xmlns:p14="http://schemas.microsoft.com/office/powerpoint/2010/main" val="3388090438"/>
+        <p14:creationId xmlns:p14="http://schemas.microsoft.com/office/powerpoint/2010/main" val="278769973"/>
       </p:ext>
     </p:extLst>
   </p:cSld>
@@ -7349,17 +11755,17 @@
           <a:p>
             <a:r>
               <a:rPr lang="de-DE" dirty="0"/>
-              <a:t>Bits einfügen</a:t>
+              <a:t>Text in Binär</a:t>
             </a:r>
           </a:p>
         </p:txBody>
       </p:sp>
       <p:pic>
         <p:nvPicPr>
-          <p:cNvPr id="5" name="Grafik 4">
+          <p:cNvPr id="4" name="Grafik 3">
             <a:extLst>
               <a:ext uri="{FF2B5EF4-FFF2-40B4-BE49-F238E27FC236}">
-                <a16:creationId xmlns:a16="http://schemas.microsoft.com/office/drawing/2014/main" id="{3F8E3A34-2CAD-614D-9FEE-921CF91B4FC6}"/>
+                <a16:creationId xmlns:a16="http://schemas.microsoft.com/office/drawing/2014/main" id="{F69BB79F-E552-4E4C-8CBE-957E849CC8B4}"/>
               </a:ext>
             </a:extLst>
           </p:cNvPr>
@@ -7369,15 +11775,15 @@
           <p:nvPr/>
         </p:nvPicPr>
         <p:blipFill>
-          <a:blip r:embed="rId2"/>
+          <a:blip r:embed="rId3"/>
           <a:stretch>
             <a:fillRect/>
           </a:stretch>
         </p:blipFill>
         <p:spPr>
           <a:xfrm>
-            <a:off x="0" y="1455510"/>
-            <a:ext cx="9144000" cy="4933813"/>
+            <a:off x="717550" y="1590413"/>
+            <a:ext cx="7797800" cy="3670300"/>
           </a:xfrm>
           <a:prstGeom prst="rect">
             <a:avLst/>
@@ -7387,7 +11793,7 @@
     </p:spTree>
     <p:extLst>
       <p:ext uri="{BB962C8B-B14F-4D97-AF65-F5344CB8AC3E}">
-        <p14:creationId xmlns:p14="http://schemas.microsoft.com/office/powerpoint/2010/main" val="4124425622"/>
+        <p14:creationId xmlns:p14="http://schemas.microsoft.com/office/powerpoint/2010/main" val="3388090438"/>
       </p:ext>
     </p:extLst>
   </p:cSld>
@@ -7431,7 +11837,7 @@
           <a:p>
             <a:r>
               <a:rPr lang="de-DE" dirty="0"/>
-              <a:t>Speichern</a:t>
+              <a:t>Text in Binär</a:t>
             </a:r>
           </a:p>
         </p:txBody>
@@ -7441,7 +11847,7 @@
           <p:cNvPr id="4" name="Grafik 3">
             <a:extLst>
               <a:ext uri="{FF2B5EF4-FFF2-40B4-BE49-F238E27FC236}">
-                <a16:creationId xmlns:a16="http://schemas.microsoft.com/office/drawing/2014/main" id="{38BF1D61-EFE8-0C43-8139-76BD0D7A6BAD}"/>
+                <a16:creationId xmlns:a16="http://schemas.microsoft.com/office/drawing/2014/main" id="{F69BB79F-E552-4E4C-8CBE-957E849CC8B4}"/>
               </a:ext>
             </a:extLst>
           </p:cNvPr>
@@ -7451,15 +11857,15 @@
           <p:nvPr/>
         </p:nvPicPr>
         <p:blipFill>
-          <a:blip r:embed="rId2"/>
+          <a:blip r:embed="rId3"/>
           <a:stretch>
             <a:fillRect/>
           </a:stretch>
         </p:blipFill>
         <p:spPr>
           <a:xfrm>
-            <a:off x="2044700" y="1593847"/>
-            <a:ext cx="5054600" cy="3670300"/>
+            <a:off x="1010539" y="1719084"/>
+            <a:ext cx="7122921" cy="4296669"/>
           </a:xfrm>
           <a:prstGeom prst="rect">
             <a:avLst/>
@@ -7469,7 +11875,7 @@
     </p:spTree>
     <p:extLst>
       <p:ext uri="{BB962C8B-B14F-4D97-AF65-F5344CB8AC3E}">
-        <p14:creationId xmlns:p14="http://schemas.microsoft.com/office/powerpoint/2010/main" val="1196724850"/>
+        <p14:creationId xmlns:p14="http://schemas.microsoft.com/office/powerpoint/2010/main" val="2121305300"/>
       </p:ext>
     </p:extLst>
   </p:cSld>
@@ -7513,47 +11919,17 @@
           <a:p>
             <a:r>
               <a:rPr lang="de-DE" dirty="0"/>
-              <a:t>Bild nachher</a:t>
+              <a:t>Bits einfügen</a:t>
             </a:r>
           </a:p>
         </p:txBody>
       </p:sp>
       <p:pic>
         <p:nvPicPr>
-          <p:cNvPr id="7" name="Grafik 6">
+          <p:cNvPr id="5" name="Grafik 4">
             <a:extLst>
               <a:ext uri="{FF2B5EF4-FFF2-40B4-BE49-F238E27FC236}">
-                <a16:creationId xmlns:a16="http://schemas.microsoft.com/office/drawing/2014/main" id="{4A98AE2C-4EC1-7F44-AD7C-3F4669FE5846}"/>
-              </a:ext>
-            </a:extLst>
-          </p:cNvPr>
-          <p:cNvPicPr>
-            <a:picLocks noChangeAspect="1"/>
-          </p:cNvPicPr>
-          <p:nvPr/>
-        </p:nvPicPr>
-        <p:blipFill>
-          <a:blip r:embed="rId2"/>
-          <a:stretch>
-            <a:fillRect/>
-          </a:stretch>
-        </p:blipFill>
-        <p:spPr>
-          <a:xfrm>
-            <a:off x="4783020" y="2076450"/>
-            <a:ext cx="4064000" cy="2705100"/>
-          </a:xfrm>
-          <a:prstGeom prst="rect">
-            <a:avLst/>
-          </a:prstGeom>
-        </p:spPr>
-      </p:pic>
-      <p:pic>
-        <p:nvPicPr>
-          <p:cNvPr id="9" name="Grafik 8">
-            <a:extLst>
-              <a:ext uri="{FF2B5EF4-FFF2-40B4-BE49-F238E27FC236}">
-                <a16:creationId xmlns:a16="http://schemas.microsoft.com/office/drawing/2014/main" id="{FF955252-EF42-9849-8D62-41A51BA973D2}"/>
+                <a16:creationId xmlns:a16="http://schemas.microsoft.com/office/drawing/2014/main" id="{3F8E3A34-2CAD-614D-9FEE-921CF91B4FC6}"/>
               </a:ext>
             </a:extLst>
           </p:cNvPr>
@@ -7570,8 +11946,8 @@
         </p:blipFill>
         <p:spPr>
           <a:xfrm>
-            <a:off x="296981" y="2076450"/>
-            <a:ext cx="4064000" cy="2705100"/>
+            <a:off x="0" y="1455510"/>
+            <a:ext cx="9144000" cy="4933812"/>
           </a:xfrm>
           <a:prstGeom prst="rect">
             <a:avLst/>
@@ -7581,7 +11957,7 @@
     </p:spTree>
     <p:extLst>
       <p:ext uri="{BB962C8B-B14F-4D97-AF65-F5344CB8AC3E}">
-        <p14:creationId xmlns:p14="http://schemas.microsoft.com/office/powerpoint/2010/main" val="2810482453"/>
+        <p14:creationId xmlns:p14="http://schemas.microsoft.com/office/powerpoint/2010/main" val="4124425622"/>
       </p:ext>
     </p:extLst>
   </p:cSld>
@@ -7625,17 +12001,17 @@
           <a:p>
             <a:r>
               <a:rPr lang="de-DE" dirty="0"/>
-              <a:t>Verteilung der Bits</a:t>
+              <a:t>Speichern</a:t>
             </a:r>
           </a:p>
         </p:txBody>
       </p:sp>
       <p:pic>
         <p:nvPicPr>
-          <p:cNvPr id="7" name="Grafik 6">
+          <p:cNvPr id="4" name="Grafik 3">
             <a:extLst>
               <a:ext uri="{FF2B5EF4-FFF2-40B4-BE49-F238E27FC236}">
-                <a16:creationId xmlns:a16="http://schemas.microsoft.com/office/drawing/2014/main" id="{75974717-D42F-0745-A3CE-4518ECE0AB6E}"/>
+                <a16:creationId xmlns:a16="http://schemas.microsoft.com/office/drawing/2014/main" id="{38BF1D61-EFE8-0C43-8139-76BD0D7A6BAD}"/>
               </a:ext>
             </a:extLst>
           </p:cNvPr>
@@ -7645,15 +12021,15 @@
           <p:nvPr/>
         </p:nvPicPr>
         <p:blipFill>
-          <a:blip r:embed="rId2"/>
+          <a:blip r:embed="rId3"/>
           <a:stretch>
             <a:fillRect/>
           </a:stretch>
         </p:blipFill>
         <p:spPr>
           <a:xfrm>
-            <a:off x="1068168" y="1388110"/>
-            <a:ext cx="7035800" cy="4813300"/>
+            <a:off x="2044700" y="1593847"/>
+            <a:ext cx="5054600" cy="3670300"/>
           </a:xfrm>
           <a:prstGeom prst="rect">
             <a:avLst/>
@@ -7663,7 +12039,7 @@
     </p:spTree>
     <p:extLst>
       <p:ext uri="{BB962C8B-B14F-4D97-AF65-F5344CB8AC3E}">
-        <p14:creationId xmlns:p14="http://schemas.microsoft.com/office/powerpoint/2010/main" val="1641096636"/>
+        <p14:creationId xmlns:p14="http://schemas.microsoft.com/office/powerpoint/2010/main" val="1196724850"/>
       </p:ext>
     </p:extLst>
   </p:cSld>
